--- a/tree/tree.pptx
+++ b/tree/tree.pptx
@@ -5,11 +5,12 @@
     <p:sldMasterId id="2147483648" r:id="rId1"/>
   </p:sldMasterIdLst>
   <p:notesMasterIdLst>
-    <p:notesMasterId r:id="rId4"/>
+    <p:notesMasterId r:id="rId5"/>
   </p:notesMasterIdLst>
   <p:sldIdLst>
     <p:sldId id="259" r:id="rId2"/>
     <p:sldId id="260" r:id="rId3"/>
+    <p:sldId id="261" r:id="rId4"/>
   </p:sldIdLst>
   <p:sldSz cx="12192000" cy="6858000"/>
   <p:notesSz cx="6858000" cy="9144000"/>
@@ -198,7 +199,7 @@
           <a:p>
             <a:fld id="{EF89B589-35CB-4095-89F3-CBA9C3D5C94E}" type="datetimeFigureOut">
               <a:rPr lang="ko-KR" altLang="en-US" smtClean="0"/>
-              <a:t>2022-03-11 Fri요일</a:t>
+              <a:t>2022-03-13 Sun요일</a:t>
             </a:fld>
             <a:endParaRPr lang="ko-KR" altLang="en-US"/>
           </a:p>
@@ -612,7 +613,7 @@
           <a:p>
             <a:fld id="{3F5DACAA-BDF7-41DD-B2E5-E4E78D96A16D}" type="datetimeFigureOut">
               <a:rPr lang="ko-KR" altLang="en-US" smtClean="0"/>
-              <a:t>2022-03-11 Fri요일</a:t>
+              <a:t>2022-03-13 Sun요일</a:t>
             </a:fld>
             <a:endParaRPr lang="ko-KR" altLang="en-US"/>
           </a:p>
@@ -810,7 +811,7 @@
           <a:p>
             <a:fld id="{3F5DACAA-BDF7-41DD-B2E5-E4E78D96A16D}" type="datetimeFigureOut">
               <a:rPr lang="ko-KR" altLang="en-US" smtClean="0"/>
-              <a:t>2022-03-11 Fri요일</a:t>
+              <a:t>2022-03-13 Sun요일</a:t>
             </a:fld>
             <a:endParaRPr lang="ko-KR" altLang="en-US"/>
           </a:p>
@@ -1018,7 +1019,7 @@
           <a:p>
             <a:fld id="{3F5DACAA-BDF7-41DD-B2E5-E4E78D96A16D}" type="datetimeFigureOut">
               <a:rPr lang="ko-KR" altLang="en-US" smtClean="0"/>
-              <a:t>2022-03-11 Fri요일</a:t>
+              <a:t>2022-03-13 Sun요일</a:t>
             </a:fld>
             <a:endParaRPr lang="ko-KR" altLang="en-US"/>
           </a:p>
@@ -1216,7 +1217,7 @@
           <a:p>
             <a:fld id="{3F5DACAA-BDF7-41DD-B2E5-E4E78D96A16D}" type="datetimeFigureOut">
               <a:rPr lang="ko-KR" altLang="en-US" smtClean="0"/>
-              <a:t>2022-03-11 Fri요일</a:t>
+              <a:t>2022-03-13 Sun요일</a:t>
             </a:fld>
             <a:endParaRPr lang="ko-KR" altLang="en-US"/>
           </a:p>
@@ -1491,7 +1492,7 @@
           <a:p>
             <a:fld id="{3F5DACAA-BDF7-41DD-B2E5-E4E78D96A16D}" type="datetimeFigureOut">
               <a:rPr lang="ko-KR" altLang="en-US" smtClean="0"/>
-              <a:t>2022-03-11 Fri요일</a:t>
+              <a:t>2022-03-13 Sun요일</a:t>
             </a:fld>
             <a:endParaRPr lang="ko-KR" altLang="en-US"/>
           </a:p>
@@ -1756,7 +1757,7 @@
           <a:p>
             <a:fld id="{3F5DACAA-BDF7-41DD-B2E5-E4E78D96A16D}" type="datetimeFigureOut">
               <a:rPr lang="ko-KR" altLang="en-US" smtClean="0"/>
-              <a:t>2022-03-11 Fri요일</a:t>
+              <a:t>2022-03-13 Sun요일</a:t>
             </a:fld>
             <a:endParaRPr lang="ko-KR" altLang="en-US"/>
           </a:p>
@@ -2168,7 +2169,7 @@
           <a:p>
             <a:fld id="{3F5DACAA-BDF7-41DD-B2E5-E4E78D96A16D}" type="datetimeFigureOut">
               <a:rPr lang="ko-KR" altLang="en-US" smtClean="0"/>
-              <a:t>2022-03-11 Fri요일</a:t>
+              <a:t>2022-03-13 Sun요일</a:t>
             </a:fld>
             <a:endParaRPr lang="ko-KR" altLang="en-US"/>
           </a:p>
@@ -2309,7 +2310,7 @@
           <a:p>
             <a:fld id="{3F5DACAA-BDF7-41DD-B2E5-E4E78D96A16D}" type="datetimeFigureOut">
               <a:rPr lang="ko-KR" altLang="en-US" smtClean="0"/>
-              <a:t>2022-03-11 Fri요일</a:t>
+              <a:t>2022-03-13 Sun요일</a:t>
             </a:fld>
             <a:endParaRPr lang="ko-KR" altLang="en-US"/>
           </a:p>
@@ -2422,7 +2423,7 @@
           <a:p>
             <a:fld id="{3F5DACAA-BDF7-41DD-B2E5-E4E78D96A16D}" type="datetimeFigureOut">
               <a:rPr lang="ko-KR" altLang="en-US" smtClean="0"/>
-              <a:t>2022-03-11 Fri요일</a:t>
+              <a:t>2022-03-13 Sun요일</a:t>
             </a:fld>
             <a:endParaRPr lang="ko-KR" altLang="en-US"/>
           </a:p>
@@ -2733,7 +2734,7 @@
           <a:p>
             <a:fld id="{3F5DACAA-BDF7-41DD-B2E5-E4E78D96A16D}" type="datetimeFigureOut">
               <a:rPr lang="ko-KR" altLang="en-US" smtClean="0"/>
-              <a:t>2022-03-11 Fri요일</a:t>
+              <a:t>2022-03-13 Sun요일</a:t>
             </a:fld>
             <a:endParaRPr lang="ko-KR" altLang="en-US"/>
           </a:p>
@@ -3021,7 +3022,7 @@
           <a:p>
             <a:fld id="{3F5DACAA-BDF7-41DD-B2E5-E4E78D96A16D}" type="datetimeFigureOut">
               <a:rPr lang="ko-KR" altLang="en-US" smtClean="0"/>
-              <a:t>2022-03-11 Fri요일</a:t>
+              <a:t>2022-03-13 Sun요일</a:t>
             </a:fld>
             <a:endParaRPr lang="ko-KR" altLang="en-US"/>
           </a:p>
@@ -3262,7 +3263,7 @@
           <a:p>
             <a:fld id="{3F5DACAA-BDF7-41DD-B2E5-E4E78D96A16D}" type="datetimeFigureOut">
               <a:rPr lang="ko-KR" altLang="en-US" smtClean="0"/>
-              <a:t>2022-03-11 Fri요일</a:t>
+              <a:t>2022-03-13 Sun요일</a:t>
             </a:fld>
             <a:endParaRPr lang="ko-KR" altLang="en-US"/>
           </a:p>
@@ -7138,6 +7139,3440 @@
     <p:extLst>
       <p:ext uri="{BB962C8B-B14F-4D97-AF65-F5344CB8AC3E}">
         <p14:creationId xmlns:p14="http://schemas.microsoft.com/office/powerpoint/2010/main" val="1914396302"/>
+      </p:ext>
+    </p:extLst>
+  </p:cSld>
+  <p:clrMapOvr>
+    <a:masterClrMapping/>
+  </p:clrMapOvr>
+</p:sld>
+</file>
+
+<file path=ppt/slides/slide3.xml><?xml version="1.0" encoding="utf-8"?>
+<p:sld xmlns:a="http://schemas.openxmlformats.org/drawingml/2006/main" xmlns:r="http://schemas.openxmlformats.org/officeDocument/2006/relationships" xmlns:p="http://schemas.openxmlformats.org/presentationml/2006/main">
+  <p:cSld>
+    <p:spTree>
+      <p:nvGrpSpPr>
+        <p:cNvPr id="1" name=""/>
+        <p:cNvGrpSpPr/>
+        <p:nvPr/>
+      </p:nvGrpSpPr>
+      <p:grpSpPr>
+        <a:xfrm>
+          <a:off x="0" y="0"/>
+          <a:ext cx="0" cy="0"/>
+          <a:chOff x="0" y="0"/>
+          <a:chExt cx="0" cy="0"/>
+        </a:xfrm>
+      </p:grpSpPr>
+      <p:sp>
+        <p:nvSpPr>
+          <p:cNvPr id="2" name="타원 1">
+            <a:extLst>
+              <a:ext uri="{FF2B5EF4-FFF2-40B4-BE49-F238E27FC236}">
+                <a16:creationId xmlns:a16="http://schemas.microsoft.com/office/drawing/2014/main" id="{D62C0185-40FA-4BE8-892C-158DBB31CA25}"/>
+              </a:ext>
+            </a:extLst>
+          </p:cNvPr>
+          <p:cNvSpPr/>
+          <p:nvPr/>
+        </p:nvSpPr>
+        <p:spPr>
+          <a:xfrm>
+            <a:off x="5482648" y="685655"/>
+            <a:ext cx="842962" cy="814387"/>
+          </a:xfrm>
+          <a:prstGeom prst="ellipse">
+            <a:avLst/>
+          </a:prstGeom>
+          <a:noFill/>
+        </p:spPr>
+        <p:style>
+          <a:lnRef idx="2">
+            <a:schemeClr val="dk1">
+              <a:shade val="50000"/>
+            </a:schemeClr>
+          </a:lnRef>
+          <a:fillRef idx="1">
+            <a:schemeClr val="dk1"/>
+          </a:fillRef>
+          <a:effectRef idx="0">
+            <a:schemeClr val="dk1"/>
+          </a:effectRef>
+          <a:fontRef idx="minor">
+            <a:schemeClr val="lt1"/>
+          </a:fontRef>
+        </p:style>
+        <p:txBody>
+          <a:bodyPr rtlCol="0" anchor="ctr"/>
+          <a:lstStyle/>
+          <a:p>
+            <a:pPr algn="ctr"/>
+            <a:endParaRPr lang="ko-KR" altLang="en-US"/>
+          </a:p>
+        </p:txBody>
+      </p:sp>
+      <p:sp>
+        <p:nvSpPr>
+          <p:cNvPr id="42" name="타원 41">
+            <a:extLst>
+              <a:ext uri="{FF2B5EF4-FFF2-40B4-BE49-F238E27FC236}">
+                <a16:creationId xmlns:a16="http://schemas.microsoft.com/office/drawing/2014/main" id="{92ABCDEC-250B-40C0-8812-8B9257F6B78D}"/>
+              </a:ext>
+            </a:extLst>
+          </p:cNvPr>
+          <p:cNvSpPr/>
+          <p:nvPr/>
+        </p:nvSpPr>
+        <p:spPr>
+          <a:xfrm>
+            <a:off x="3581857" y="2009629"/>
+            <a:ext cx="842962" cy="814387"/>
+          </a:xfrm>
+          <a:prstGeom prst="ellipse">
+            <a:avLst/>
+          </a:prstGeom>
+          <a:noFill/>
+        </p:spPr>
+        <p:style>
+          <a:lnRef idx="2">
+            <a:schemeClr val="dk1">
+              <a:shade val="50000"/>
+            </a:schemeClr>
+          </a:lnRef>
+          <a:fillRef idx="1">
+            <a:schemeClr val="dk1"/>
+          </a:fillRef>
+          <a:effectRef idx="0">
+            <a:schemeClr val="dk1"/>
+          </a:effectRef>
+          <a:fontRef idx="minor">
+            <a:schemeClr val="lt1"/>
+          </a:fontRef>
+        </p:style>
+        <p:txBody>
+          <a:bodyPr rtlCol="0" anchor="ctr"/>
+          <a:lstStyle/>
+          <a:p>
+            <a:pPr algn="ctr"/>
+            <a:endParaRPr lang="ko-KR" altLang="en-US"/>
+          </a:p>
+        </p:txBody>
+      </p:sp>
+      <p:sp>
+        <p:nvSpPr>
+          <p:cNvPr id="43" name="타원 42">
+            <a:extLst>
+              <a:ext uri="{FF2B5EF4-FFF2-40B4-BE49-F238E27FC236}">
+                <a16:creationId xmlns:a16="http://schemas.microsoft.com/office/drawing/2014/main" id="{5DA21E1D-79D6-4F0C-BBE4-1A94AC471CA6}"/>
+              </a:ext>
+            </a:extLst>
+          </p:cNvPr>
+          <p:cNvSpPr/>
+          <p:nvPr/>
+        </p:nvSpPr>
+        <p:spPr>
+          <a:xfrm>
+            <a:off x="7395268" y="2009628"/>
+            <a:ext cx="842962" cy="814387"/>
+          </a:xfrm>
+          <a:prstGeom prst="ellipse">
+            <a:avLst/>
+          </a:prstGeom>
+          <a:noFill/>
+        </p:spPr>
+        <p:style>
+          <a:lnRef idx="2">
+            <a:schemeClr val="dk1">
+              <a:shade val="50000"/>
+            </a:schemeClr>
+          </a:lnRef>
+          <a:fillRef idx="1">
+            <a:schemeClr val="dk1"/>
+          </a:fillRef>
+          <a:effectRef idx="0">
+            <a:schemeClr val="dk1"/>
+          </a:effectRef>
+          <a:fontRef idx="minor">
+            <a:schemeClr val="lt1"/>
+          </a:fontRef>
+        </p:style>
+        <p:txBody>
+          <a:bodyPr rtlCol="0" anchor="ctr"/>
+          <a:lstStyle/>
+          <a:p>
+            <a:pPr algn="ctr"/>
+            <a:endParaRPr lang="ko-KR" altLang="en-US"/>
+          </a:p>
+        </p:txBody>
+      </p:sp>
+      <p:sp>
+        <p:nvSpPr>
+          <p:cNvPr id="44" name="타원 43">
+            <a:extLst>
+              <a:ext uri="{FF2B5EF4-FFF2-40B4-BE49-F238E27FC236}">
+                <a16:creationId xmlns:a16="http://schemas.microsoft.com/office/drawing/2014/main" id="{44264540-44B0-41B9-AD85-38C77C29C2AA}"/>
+              </a:ext>
+            </a:extLst>
+          </p:cNvPr>
+          <p:cNvSpPr/>
+          <p:nvPr/>
+        </p:nvSpPr>
+        <p:spPr>
+          <a:xfrm>
+            <a:off x="6097010" y="3609826"/>
+            <a:ext cx="842962" cy="814387"/>
+          </a:xfrm>
+          <a:prstGeom prst="ellipse">
+            <a:avLst/>
+          </a:prstGeom>
+          <a:noFill/>
+        </p:spPr>
+        <p:style>
+          <a:lnRef idx="2">
+            <a:schemeClr val="dk1">
+              <a:shade val="50000"/>
+            </a:schemeClr>
+          </a:lnRef>
+          <a:fillRef idx="1">
+            <a:schemeClr val="dk1"/>
+          </a:fillRef>
+          <a:effectRef idx="0">
+            <a:schemeClr val="dk1"/>
+          </a:effectRef>
+          <a:fontRef idx="minor">
+            <a:schemeClr val="lt1"/>
+          </a:fontRef>
+        </p:style>
+        <p:txBody>
+          <a:bodyPr rtlCol="0" anchor="ctr"/>
+          <a:lstStyle/>
+          <a:p>
+            <a:pPr algn="ctr"/>
+            <a:endParaRPr lang="ko-KR" altLang="en-US"/>
+          </a:p>
+        </p:txBody>
+      </p:sp>
+      <p:sp>
+        <p:nvSpPr>
+          <p:cNvPr id="45" name="타원 44">
+            <a:extLst>
+              <a:ext uri="{FF2B5EF4-FFF2-40B4-BE49-F238E27FC236}">
+                <a16:creationId xmlns:a16="http://schemas.microsoft.com/office/drawing/2014/main" id="{BF33C585-EC03-4C74-86A1-4CBC433D7B5C}"/>
+              </a:ext>
+            </a:extLst>
+          </p:cNvPr>
+          <p:cNvSpPr/>
+          <p:nvPr/>
+        </p:nvSpPr>
+        <p:spPr>
+          <a:xfrm>
+            <a:off x="8828304" y="3609826"/>
+            <a:ext cx="842962" cy="814387"/>
+          </a:xfrm>
+          <a:prstGeom prst="ellipse">
+            <a:avLst/>
+          </a:prstGeom>
+          <a:noFill/>
+        </p:spPr>
+        <p:style>
+          <a:lnRef idx="2">
+            <a:schemeClr val="dk1">
+              <a:shade val="50000"/>
+            </a:schemeClr>
+          </a:lnRef>
+          <a:fillRef idx="1">
+            <a:schemeClr val="dk1"/>
+          </a:fillRef>
+          <a:effectRef idx="0">
+            <a:schemeClr val="dk1"/>
+          </a:effectRef>
+          <a:fontRef idx="minor">
+            <a:schemeClr val="lt1"/>
+          </a:fontRef>
+        </p:style>
+        <p:txBody>
+          <a:bodyPr rtlCol="0" anchor="ctr"/>
+          <a:lstStyle/>
+          <a:p>
+            <a:pPr algn="ctr"/>
+            <a:endParaRPr lang="ko-KR" altLang="en-US"/>
+          </a:p>
+        </p:txBody>
+      </p:sp>
+      <p:sp>
+        <p:nvSpPr>
+          <p:cNvPr id="47" name="타원 46">
+            <a:extLst>
+              <a:ext uri="{FF2B5EF4-FFF2-40B4-BE49-F238E27FC236}">
+                <a16:creationId xmlns:a16="http://schemas.microsoft.com/office/drawing/2014/main" id="{91893471-6591-4ACE-B7FD-2FE3D7EBE3A9}"/>
+              </a:ext>
+            </a:extLst>
+          </p:cNvPr>
+          <p:cNvSpPr/>
+          <p:nvPr/>
+        </p:nvSpPr>
+        <p:spPr>
+          <a:xfrm>
+            <a:off x="1913629" y="3605367"/>
+            <a:ext cx="842962" cy="814387"/>
+          </a:xfrm>
+          <a:prstGeom prst="ellipse">
+            <a:avLst/>
+          </a:prstGeom>
+          <a:noFill/>
+        </p:spPr>
+        <p:style>
+          <a:lnRef idx="2">
+            <a:schemeClr val="dk1">
+              <a:shade val="50000"/>
+            </a:schemeClr>
+          </a:lnRef>
+          <a:fillRef idx="1">
+            <a:schemeClr val="dk1"/>
+          </a:fillRef>
+          <a:effectRef idx="0">
+            <a:schemeClr val="dk1"/>
+          </a:effectRef>
+          <a:fontRef idx="minor">
+            <a:schemeClr val="lt1"/>
+          </a:fontRef>
+        </p:style>
+        <p:txBody>
+          <a:bodyPr rtlCol="0" anchor="ctr"/>
+          <a:lstStyle/>
+          <a:p>
+            <a:pPr algn="ctr"/>
+            <a:endParaRPr lang="ko-KR" altLang="en-US"/>
+          </a:p>
+        </p:txBody>
+      </p:sp>
+      <p:sp>
+        <p:nvSpPr>
+          <p:cNvPr id="48" name="타원 47">
+            <a:extLst>
+              <a:ext uri="{FF2B5EF4-FFF2-40B4-BE49-F238E27FC236}">
+                <a16:creationId xmlns:a16="http://schemas.microsoft.com/office/drawing/2014/main" id="{75833488-1488-4FC6-9393-C43992CEFD09}"/>
+              </a:ext>
+            </a:extLst>
+          </p:cNvPr>
+          <p:cNvSpPr/>
+          <p:nvPr/>
+        </p:nvSpPr>
+        <p:spPr>
+          <a:xfrm>
+            <a:off x="4904003" y="3609826"/>
+            <a:ext cx="842962" cy="814387"/>
+          </a:xfrm>
+          <a:prstGeom prst="ellipse">
+            <a:avLst/>
+          </a:prstGeom>
+          <a:noFill/>
+        </p:spPr>
+        <p:style>
+          <a:lnRef idx="2">
+            <a:schemeClr val="dk1">
+              <a:shade val="50000"/>
+            </a:schemeClr>
+          </a:lnRef>
+          <a:fillRef idx="1">
+            <a:schemeClr val="dk1"/>
+          </a:fillRef>
+          <a:effectRef idx="0">
+            <a:schemeClr val="dk1"/>
+          </a:effectRef>
+          <a:fontRef idx="minor">
+            <a:schemeClr val="lt1"/>
+          </a:fontRef>
+        </p:style>
+        <p:txBody>
+          <a:bodyPr rtlCol="0" anchor="ctr"/>
+          <a:lstStyle/>
+          <a:p>
+            <a:pPr algn="ctr"/>
+            <a:endParaRPr lang="ko-KR" altLang="en-US"/>
+          </a:p>
+        </p:txBody>
+      </p:sp>
+      <p:sp>
+        <p:nvSpPr>
+          <p:cNvPr id="49" name="타원 48">
+            <a:extLst>
+              <a:ext uri="{FF2B5EF4-FFF2-40B4-BE49-F238E27FC236}">
+                <a16:creationId xmlns:a16="http://schemas.microsoft.com/office/drawing/2014/main" id="{3B64BAE5-8621-423D-B2C3-E2068C224369}"/>
+              </a:ext>
+            </a:extLst>
+          </p:cNvPr>
+          <p:cNvSpPr/>
+          <p:nvPr/>
+        </p:nvSpPr>
+        <p:spPr>
+          <a:xfrm>
+            <a:off x="4061041" y="5152880"/>
+            <a:ext cx="842962" cy="814387"/>
+          </a:xfrm>
+          <a:prstGeom prst="ellipse">
+            <a:avLst/>
+          </a:prstGeom>
+          <a:noFill/>
+        </p:spPr>
+        <p:style>
+          <a:lnRef idx="2">
+            <a:schemeClr val="dk1">
+              <a:shade val="50000"/>
+            </a:schemeClr>
+          </a:lnRef>
+          <a:fillRef idx="1">
+            <a:schemeClr val="dk1"/>
+          </a:fillRef>
+          <a:effectRef idx="0">
+            <a:schemeClr val="dk1"/>
+          </a:effectRef>
+          <a:fontRef idx="minor">
+            <a:schemeClr val="lt1"/>
+          </a:fontRef>
+        </p:style>
+        <p:txBody>
+          <a:bodyPr rtlCol="0" anchor="ctr"/>
+          <a:lstStyle/>
+          <a:p>
+            <a:pPr algn="ctr"/>
+            <a:endParaRPr lang="ko-KR" altLang="en-US"/>
+          </a:p>
+        </p:txBody>
+      </p:sp>
+      <p:sp>
+        <p:nvSpPr>
+          <p:cNvPr id="50" name="타원 49">
+            <a:extLst>
+              <a:ext uri="{FF2B5EF4-FFF2-40B4-BE49-F238E27FC236}">
+                <a16:creationId xmlns:a16="http://schemas.microsoft.com/office/drawing/2014/main" id="{88AB90D7-60C5-42FD-B488-DB1174256B19}"/>
+              </a:ext>
+            </a:extLst>
+          </p:cNvPr>
+          <p:cNvSpPr/>
+          <p:nvPr/>
+        </p:nvSpPr>
+        <p:spPr>
+          <a:xfrm>
+            <a:off x="9944562" y="5152880"/>
+            <a:ext cx="842962" cy="814387"/>
+          </a:xfrm>
+          <a:prstGeom prst="ellipse">
+            <a:avLst/>
+          </a:prstGeom>
+          <a:noFill/>
+        </p:spPr>
+        <p:style>
+          <a:lnRef idx="2">
+            <a:schemeClr val="dk1">
+              <a:shade val="50000"/>
+            </a:schemeClr>
+          </a:lnRef>
+          <a:fillRef idx="1">
+            <a:schemeClr val="dk1"/>
+          </a:fillRef>
+          <a:effectRef idx="0">
+            <a:schemeClr val="dk1"/>
+          </a:effectRef>
+          <a:fontRef idx="minor">
+            <a:schemeClr val="lt1"/>
+          </a:fontRef>
+        </p:style>
+        <p:txBody>
+          <a:bodyPr rtlCol="0" anchor="ctr"/>
+          <a:lstStyle/>
+          <a:p>
+            <a:pPr algn="ctr"/>
+            <a:endParaRPr lang="ko-KR" altLang="en-US"/>
+          </a:p>
+        </p:txBody>
+      </p:sp>
+      <p:sp>
+        <p:nvSpPr>
+          <p:cNvPr id="51" name="타원 50">
+            <a:extLst>
+              <a:ext uri="{FF2B5EF4-FFF2-40B4-BE49-F238E27FC236}">
+                <a16:creationId xmlns:a16="http://schemas.microsoft.com/office/drawing/2014/main" id="{76613553-D7D1-454D-A29D-7E72623E935E}"/>
+              </a:ext>
+            </a:extLst>
+          </p:cNvPr>
+          <p:cNvSpPr/>
+          <p:nvPr/>
+        </p:nvSpPr>
+        <p:spPr>
+          <a:xfrm>
+            <a:off x="7730953" y="5152880"/>
+            <a:ext cx="842962" cy="814387"/>
+          </a:xfrm>
+          <a:prstGeom prst="ellipse">
+            <a:avLst/>
+          </a:prstGeom>
+          <a:noFill/>
+        </p:spPr>
+        <p:style>
+          <a:lnRef idx="2">
+            <a:schemeClr val="dk1">
+              <a:shade val="50000"/>
+            </a:schemeClr>
+          </a:lnRef>
+          <a:fillRef idx="1">
+            <a:schemeClr val="dk1"/>
+          </a:fillRef>
+          <a:effectRef idx="0">
+            <a:schemeClr val="dk1"/>
+          </a:effectRef>
+          <a:fontRef idx="minor">
+            <a:schemeClr val="lt1"/>
+          </a:fontRef>
+        </p:style>
+        <p:txBody>
+          <a:bodyPr rtlCol="0" anchor="ctr"/>
+          <a:lstStyle/>
+          <a:p>
+            <a:pPr algn="ctr"/>
+            <a:endParaRPr lang="ko-KR" altLang="en-US"/>
+          </a:p>
+        </p:txBody>
+      </p:sp>
+      <p:cxnSp>
+        <p:nvCxnSpPr>
+          <p:cNvPr id="5" name="직선 연결선 4">
+            <a:extLst>
+              <a:ext uri="{FF2B5EF4-FFF2-40B4-BE49-F238E27FC236}">
+                <a16:creationId xmlns:a16="http://schemas.microsoft.com/office/drawing/2014/main" id="{34DDAE07-90A4-4D43-80C0-A63504496C20}"/>
+              </a:ext>
+            </a:extLst>
+          </p:cNvPr>
+          <p:cNvCxnSpPr>
+            <a:stCxn id="2" idx="3"/>
+            <a:endCxn id="42" idx="0"/>
+          </p:cNvCxnSpPr>
+          <p:nvPr/>
+        </p:nvCxnSpPr>
+        <p:spPr>
+          <a:xfrm flipH="1">
+            <a:off x="4003338" y="1380778"/>
+            <a:ext cx="1602759" cy="628851"/>
+          </a:xfrm>
+          <a:prstGeom prst="line">
+            <a:avLst/>
+          </a:prstGeom>
+        </p:spPr>
+        <p:style>
+          <a:lnRef idx="1">
+            <a:schemeClr val="dk1"/>
+          </a:lnRef>
+          <a:fillRef idx="0">
+            <a:schemeClr val="dk1"/>
+          </a:fillRef>
+          <a:effectRef idx="0">
+            <a:schemeClr val="dk1"/>
+          </a:effectRef>
+          <a:fontRef idx="minor">
+            <a:schemeClr val="tx1"/>
+          </a:fontRef>
+        </p:style>
+      </p:cxnSp>
+      <p:sp>
+        <p:nvSpPr>
+          <p:cNvPr id="54" name="TextBox 53">
+            <a:extLst>
+              <a:ext uri="{FF2B5EF4-FFF2-40B4-BE49-F238E27FC236}">
+                <a16:creationId xmlns:a16="http://schemas.microsoft.com/office/drawing/2014/main" id="{5532DD5B-D364-474B-A979-70796227EF9B}"/>
+              </a:ext>
+            </a:extLst>
+          </p:cNvPr>
+          <p:cNvSpPr txBox="1"/>
+          <p:nvPr/>
+        </p:nvSpPr>
+        <p:spPr>
+          <a:xfrm>
+            <a:off x="5317527" y="196037"/>
+            <a:ext cx="1376361" cy="369332"/>
+          </a:xfrm>
+          <a:prstGeom prst="rect">
+            <a:avLst/>
+          </a:prstGeom>
+          <a:noFill/>
+        </p:spPr>
+        <p:txBody>
+          <a:bodyPr wrap="square" rtlCol="0">
+            <a:spAutoFit/>
+          </a:bodyPr>
+          <a:lstStyle/>
+          <a:p>
+            <a:r>
+              <a:rPr lang="en-US" altLang="ko-KR" dirty="0"/>
+              <a:t>Root node</a:t>
+            </a:r>
+            <a:endParaRPr lang="ko-KR" altLang="en-US" dirty="0"/>
+          </a:p>
+        </p:txBody>
+      </p:sp>
+      <p:cxnSp>
+        <p:nvCxnSpPr>
+          <p:cNvPr id="7" name="직선 연결선 6">
+            <a:extLst>
+              <a:ext uri="{FF2B5EF4-FFF2-40B4-BE49-F238E27FC236}">
+                <a16:creationId xmlns:a16="http://schemas.microsoft.com/office/drawing/2014/main" id="{8BEE5C65-8F65-4F85-848F-CE2547C374D1}"/>
+              </a:ext>
+            </a:extLst>
+          </p:cNvPr>
+          <p:cNvCxnSpPr>
+            <a:stCxn id="2" idx="5"/>
+            <a:endCxn id="43" idx="0"/>
+          </p:cNvCxnSpPr>
+          <p:nvPr/>
+        </p:nvCxnSpPr>
+        <p:spPr>
+          <a:xfrm>
+            <a:off x="6202161" y="1380778"/>
+            <a:ext cx="1614588" cy="628850"/>
+          </a:xfrm>
+          <a:prstGeom prst="line">
+            <a:avLst/>
+          </a:prstGeom>
+        </p:spPr>
+        <p:style>
+          <a:lnRef idx="1">
+            <a:schemeClr val="dk1"/>
+          </a:lnRef>
+          <a:fillRef idx="0">
+            <a:schemeClr val="dk1"/>
+          </a:fillRef>
+          <a:effectRef idx="0">
+            <a:schemeClr val="dk1"/>
+          </a:effectRef>
+          <a:fontRef idx="minor">
+            <a:schemeClr val="tx1"/>
+          </a:fontRef>
+        </p:style>
+      </p:cxnSp>
+      <p:cxnSp>
+        <p:nvCxnSpPr>
+          <p:cNvPr id="16" name="직선 연결선 15">
+            <a:extLst>
+              <a:ext uri="{FF2B5EF4-FFF2-40B4-BE49-F238E27FC236}">
+                <a16:creationId xmlns:a16="http://schemas.microsoft.com/office/drawing/2014/main" id="{A5DC94D9-2D54-4AFF-96DD-C4484055E7A6}"/>
+              </a:ext>
+            </a:extLst>
+          </p:cNvPr>
+          <p:cNvCxnSpPr>
+            <a:stCxn id="42" idx="3"/>
+            <a:endCxn id="47" idx="0"/>
+          </p:cNvCxnSpPr>
+          <p:nvPr/>
+        </p:nvCxnSpPr>
+        <p:spPr>
+          <a:xfrm flipH="1">
+            <a:off x="2335110" y="2704752"/>
+            <a:ext cx="1370196" cy="900615"/>
+          </a:xfrm>
+          <a:prstGeom prst="line">
+            <a:avLst/>
+          </a:prstGeom>
+        </p:spPr>
+        <p:style>
+          <a:lnRef idx="1">
+            <a:schemeClr val="dk1"/>
+          </a:lnRef>
+          <a:fillRef idx="0">
+            <a:schemeClr val="dk1"/>
+          </a:fillRef>
+          <a:effectRef idx="0">
+            <a:schemeClr val="dk1"/>
+          </a:effectRef>
+          <a:fontRef idx="minor">
+            <a:schemeClr val="tx1"/>
+          </a:fontRef>
+        </p:style>
+      </p:cxnSp>
+      <p:cxnSp>
+        <p:nvCxnSpPr>
+          <p:cNvPr id="18" name="직선 연결선 17">
+            <a:extLst>
+              <a:ext uri="{FF2B5EF4-FFF2-40B4-BE49-F238E27FC236}">
+                <a16:creationId xmlns:a16="http://schemas.microsoft.com/office/drawing/2014/main" id="{7F131259-FAE2-4864-8844-285D43D73BBB}"/>
+              </a:ext>
+            </a:extLst>
+          </p:cNvPr>
+          <p:cNvCxnSpPr>
+            <a:cxnSpLocks/>
+            <a:stCxn id="45" idx="3"/>
+            <a:endCxn id="51" idx="0"/>
+          </p:cNvCxnSpPr>
+          <p:nvPr/>
+        </p:nvCxnSpPr>
+        <p:spPr>
+          <a:xfrm flipH="1">
+            <a:off x="8152434" y="4304949"/>
+            <a:ext cx="799319" cy="847931"/>
+          </a:xfrm>
+          <a:prstGeom prst="line">
+            <a:avLst/>
+          </a:prstGeom>
+        </p:spPr>
+        <p:style>
+          <a:lnRef idx="1">
+            <a:schemeClr val="dk1"/>
+          </a:lnRef>
+          <a:fillRef idx="0">
+            <a:schemeClr val="dk1"/>
+          </a:fillRef>
+          <a:effectRef idx="0">
+            <a:schemeClr val="dk1"/>
+          </a:effectRef>
+          <a:fontRef idx="minor">
+            <a:schemeClr val="tx1"/>
+          </a:fontRef>
+        </p:style>
+      </p:cxnSp>
+      <p:cxnSp>
+        <p:nvCxnSpPr>
+          <p:cNvPr id="20" name="직선 연결선 19">
+            <a:extLst>
+              <a:ext uri="{FF2B5EF4-FFF2-40B4-BE49-F238E27FC236}">
+                <a16:creationId xmlns:a16="http://schemas.microsoft.com/office/drawing/2014/main" id="{0B8E17D1-D681-4B9F-836B-B5D5C002EB81}"/>
+              </a:ext>
+            </a:extLst>
+          </p:cNvPr>
+          <p:cNvCxnSpPr>
+            <a:cxnSpLocks/>
+            <a:stCxn id="45" idx="5"/>
+            <a:endCxn id="50" idx="0"/>
+          </p:cNvCxnSpPr>
+          <p:nvPr/>
+        </p:nvCxnSpPr>
+        <p:spPr>
+          <a:xfrm>
+            <a:off x="9547817" y="4304949"/>
+            <a:ext cx="818226" cy="847931"/>
+          </a:xfrm>
+          <a:prstGeom prst="line">
+            <a:avLst/>
+          </a:prstGeom>
+        </p:spPr>
+        <p:style>
+          <a:lnRef idx="1">
+            <a:schemeClr val="dk1"/>
+          </a:lnRef>
+          <a:fillRef idx="0">
+            <a:schemeClr val="dk1"/>
+          </a:fillRef>
+          <a:effectRef idx="0">
+            <a:schemeClr val="dk1"/>
+          </a:effectRef>
+          <a:fontRef idx="minor">
+            <a:schemeClr val="tx1"/>
+          </a:fontRef>
+        </p:style>
+      </p:cxnSp>
+      <p:cxnSp>
+        <p:nvCxnSpPr>
+          <p:cNvPr id="22" name="직선 연결선 21">
+            <a:extLst>
+              <a:ext uri="{FF2B5EF4-FFF2-40B4-BE49-F238E27FC236}">
+                <a16:creationId xmlns:a16="http://schemas.microsoft.com/office/drawing/2014/main" id="{6ABFC3A3-1D88-4434-A698-189452A3ABB9}"/>
+              </a:ext>
+            </a:extLst>
+          </p:cNvPr>
+          <p:cNvCxnSpPr>
+            <a:stCxn id="48" idx="3"/>
+            <a:endCxn id="49" idx="0"/>
+          </p:cNvCxnSpPr>
+          <p:nvPr/>
+        </p:nvCxnSpPr>
+        <p:spPr>
+          <a:xfrm flipH="1">
+            <a:off x="4482522" y="4304949"/>
+            <a:ext cx="544930" cy="847931"/>
+          </a:xfrm>
+          <a:prstGeom prst="line">
+            <a:avLst/>
+          </a:prstGeom>
+        </p:spPr>
+        <p:style>
+          <a:lnRef idx="1">
+            <a:schemeClr val="dk1"/>
+          </a:lnRef>
+          <a:fillRef idx="0">
+            <a:schemeClr val="dk1"/>
+          </a:fillRef>
+          <a:effectRef idx="0">
+            <a:schemeClr val="dk1"/>
+          </a:effectRef>
+          <a:fontRef idx="minor">
+            <a:schemeClr val="tx1"/>
+          </a:fontRef>
+        </p:style>
+      </p:cxnSp>
+      <p:cxnSp>
+        <p:nvCxnSpPr>
+          <p:cNvPr id="29" name="직선 연결선 28">
+            <a:extLst>
+              <a:ext uri="{FF2B5EF4-FFF2-40B4-BE49-F238E27FC236}">
+                <a16:creationId xmlns:a16="http://schemas.microsoft.com/office/drawing/2014/main" id="{BC052159-12D0-4300-8B07-890AF53A1396}"/>
+              </a:ext>
+            </a:extLst>
+          </p:cNvPr>
+          <p:cNvCxnSpPr>
+            <a:stCxn id="42" idx="5"/>
+            <a:endCxn id="48" idx="0"/>
+          </p:cNvCxnSpPr>
+          <p:nvPr/>
+        </p:nvCxnSpPr>
+        <p:spPr>
+          <a:xfrm>
+            <a:off x="4301370" y="2704752"/>
+            <a:ext cx="1024114" cy="905074"/>
+          </a:xfrm>
+          <a:prstGeom prst="line">
+            <a:avLst/>
+          </a:prstGeom>
+        </p:spPr>
+        <p:style>
+          <a:lnRef idx="1">
+            <a:schemeClr val="dk1"/>
+          </a:lnRef>
+          <a:fillRef idx="0">
+            <a:schemeClr val="dk1"/>
+          </a:fillRef>
+          <a:effectRef idx="0">
+            <a:schemeClr val="dk1"/>
+          </a:effectRef>
+          <a:fontRef idx="minor">
+            <a:schemeClr val="tx1"/>
+          </a:fontRef>
+        </p:style>
+      </p:cxnSp>
+      <p:cxnSp>
+        <p:nvCxnSpPr>
+          <p:cNvPr id="31" name="직선 연결선 30">
+            <a:extLst>
+              <a:ext uri="{FF2B5EF4-FFF2-40B4-BE49-F238E27FC236}">
+                <a16:creationId xmlns:a16="http://schemas.microsoft.com/office/drawing/2014/main" id="{9979CDF9-CCEB-4269-89FA-C1AFB2F9B7F0}"/>
+              </a:ext>
+            </a:extLst>
+          </p:cNvPr>
+          <p:cNvCxnSpPr>
+            <a:stCxn id="43" idx="3"/>
+            <a:endCxn id="44" idx="0"/>
+          </p:cNvCxnSpPr>
+          <p:nvPr/>
+        </p:nvCxnSpPr>
+        <p:spPr>
+          <a:xfrm flipH="1">
+            <a:off x="6518491" y="2704751"/>
+            <a:ext cx="1000226" cy="905075"/>
+          </a:xfrm>
+          <a:prstGeom prst="line">
+            <a:avLst/>
+          </a:prstGeom>
+        </p:spPr>
+        <p:style>
+          <a:lnRef idx="1">
+            <a:schemeClr val="dk1"/>
+          </a:lnRef>
+          <a:fillRef idx="0">
+            <a:schemeClr val="dk1"/>
+          </a:fillRef>
+          <a:effectRef idx="0">
+            <a:schemeClr val="dk1"/>
+          </a:effectRef>
+          <a:fontRef idx="minor">
+            <a:schemeClr val="tx1"/>
+          </a:fontRef>
+        </p:style>
+      </p:cxnSp>
+      <p:cxnSp>
+        <p:nvCxnSpPr>
+          <p:cNvPr id="33" name="직선 연결선 32">
+            <a:extLst>
+              <a:ext uri="{FF2B5EF4-FFF2-40B4-BE49-F238E27FC236}">
+                <a16:creationId xmlns:a16="http://schemas.microsoft.com/office/drawing/2014/main" id="{B149CB59-74C5-4DD1-956D-7243A433D62C}"/>
+              </a:ext>
+            </a:extLst>
+          </p:cNvPr>
+          <p:cNvCxnSpPr>
+            <a:stCxn id="43" idx="5"/>
+            <a:endCxn id="45" idx="0"/>
+          </p:cNvCxnSpPr>
+          <p:nvPr/>
+        </p:nvCxnSpPr>
+        <p:spPr>
+          <a:xfrm>
+            <a:off x="8114781" y="2704751"/>
+            <a:ext cx="1135004" cy="905075"/>
+          </a:xfrm>
+          <a:prstGeom prst="line">
+            <a:avLst/>
+          </a:prstGeom>
+        </p:spPr>
+        <p:style>
+          <a:lnRef idx="1">
+            <a:schemeClr val="dk1"/>
+          </a:lnRef>
+          <a:fillRef idx="0">
+            <a:schemeClr val="dk1"/>
+          </a:fillRef>
+          <a:effectRef idx="0">
+            <a:schemeClr val="dk1"/>
+          </a:effectRef>
+          <a:fontRef idx="minor">
+            <a:schemeClr val="tx1"/>
+          </a:fontRef>
+        </p:style>
+      </p:cxnSp>
+      <p:sp>
+        <p:nvSpPr>
+          <p:cNvPr id="34" name="TextBox 33">
+            <a:extLst>
+              <a:ext uri="{FF2B5EF4-FFF2-40B4-BE49-F238E27FC236}">
+                <a16:creationId xmlns:a16="http://schemas.microsoft.com/office/drawing/2014/main" id="{DF2CECBF-691B-4D08-AE31-C569E4CC0F59}"/>
+              </a:ext>
+            </a:extLst>
+          </p:cNvPr>
+          <p:cNvSpPr txBox="1"/>
+          <p:nvPr/>
+        </p:nvSpPr>
+        <p:spPr>
+          <a:xfrm>
+            <a:off x="5676342" y="794981"/>
+            <a:ext cx="455574" cy="584775"/>
+          </a:xfrm>
+          <a:prstGeom prst="rect">
+            <a:avLst/>
+          </a:prstGeom>
+          <a:noFill/>
+        </p:spPr>
+        <p:txBody>
+          <a:bodyPr wrap="none" rtlCol="0">
+            <a:spAutoFit/>
+          </a:bodyPr>
+          <a:lstStyle/>
+          <a:p>
+            <a:r>
+              <a:rPr lang="en-US" altLang="ko-KR" sz="3200" dirty="0"/>
+              <a:t>A</a:t>
+            </a:r>
+            <a:endParaRPr lang="ko-KR" altLang="en-US" sz="3200" dirty="0"/>
+          </a:p>
+        </p:txBody>
+      </p:sp>
+      <p:sp>
+        <p:nvSpPr>
+          <p:cNvPr id="85" name="TextBox 84">
+            <a:extLst>
+              <a:ext uri="{FF2B5EF4-FFF2-40B4-BE49-F238E27FC236}">
+                <a16:creationId xmlns:a16="http://schemas.microsoft.com/office/drawing/2014/main" id="{021A3872-98FD-4785-83E0-E26B954F0FC3}"/>
+              </a:ext>
+            </a:extLst>
+          </p:cNvPr>
+          <p:cNvSpPr txBox="1"/>
+          <p:nvPr/>
+        </p:nvSpPr>
+        <p:spPr>
+          <a:xfrm>
+            <a:off x="3772829" y="2136710"/>
+            <a:ext cx="423514" cy="584775"/>
+          </a:xfrm>
+          <a:prstGeom prst="rect">
+            <a:avLst/>
+          </a:prstGeom>
+          <a:noFill/>
+        </p:spPr>
+        <p:txBody>
+          <a:bodyPr wrap="none" rtlCol="0">
+            <a:spAutoFit/>
+          </a:bodyPr>
+          <a:lstStyle/>
+          <a:p>
+            <a:r>
+              <a:rPr lang="en-US" altLang="ko-KR" sz="3200" dirty="0"/>
+              <a:t>B</a:t>
+            </a:r>
+            <a:endParaRPr lang="ko-KR" altLang="en-US" sz="3200" dirty="0"/>
+          </a:p>
+        </p:txBody>
+      </p:sp>
+      <p:sp>
+        <p:nvSpPr>
+          <p:cNvPr id="86" name="TextBox 85">
+            <a:extLst>
+              <a:ext uri="{FF2B5EF4-FFF2-40B4-BE49-F238E27FC236}">
+                <a16:creationId xmlns:a16="http://schemas.microsoft.com/office/drawing/2014/main" id="{BC096273-7CF6-4B63-9A09-B7AB19ADE836}"/>
+              </a:ext>
+            </a:extLst>
+          </p:cNvPr>
+          <p:cNvSpPr txBox="1"/>
+          <p:nvPr/>
+        </p:nvSpPr>
+        <p:spPr>
+          <a:xfrm>
+            <a:off x="7588962" y="2119976"/>
+            <a:ext cx="455574" cy="584775"/>
+          </a:xfrm>
+          <a:prstGeom prst="rect">
+            <a:avLst/>
+          </a:prstGeom>
+          <a:noFill/>
+        </p:spPr>
+        <p:txBody>
+          <a:bodyPr wrap="none" rtlCol="0">
+            <a:spAutoFit/>
+          </a:bodyPr>
+          <a:lstStyle/>
+          <a:p>
+            <a:r>
+              <a:rPr lang="en-US" altLang="ko-KR" sz="3200" dirty="0"/>
+              <a:t>C</a:t>
+            </a:r>
+            <a:endParaRPr lang="ko-KR" altLang="en-US" sz="3200" dirty="0"/>
+          </a:p>
+        </p:txBody>
+      </p:sp>
+      <p:sp>
+        <p:nvSpPr>
+          <p:cNvPr id="87" name="TextBox 86">
+            <a:extLst>
+              <a:ext uri="{FF2B5EF4-FFF2-40B4-BE49-F238E27FC236}">
+                <a16:creationId xmlns:a16="http://schemas.microsoft.com/office/drawing/2014/main" id="{1DC40A6A-A264-4FDE-B0EB-6899E8A14FFA}"/>
+              </a:ext>
+            </a:extLst>
+          </p:cNvPr>
+          <p:cNvSpPr txBox="1"/>
+          <p:nvPr/>
+        </p:nvSpPr>
+        <p:spPr>
+          <a:xfrm>
+            <a:off x="2112875" y="3720173"/>
+            <a:ext cx="479618" cy="584775"/>
+          </a:xfrm>
+          <a:prstGeom prst="rect">
+            <a:avLst/>
+          </a:prstGeom>
+          <a:noFill/>
+        </p:spPr>
+        <p:txBody>
+          <a:bodyPr wrap="none" rtlCol="0">
+            <a:spAutoFit/>
+          </a:bodyPr>
+          <a:lstStyle/>
+          <a:p>
+            <a:r>
+              <a:rPr lang="en-US" altLang="ko-KR" sz="3200" dirty="0"/>
+              <a:t>D</a:t>
+            </a:r>
+            <a:endParaRPr lang="ko-KR" altLang="en-US" sz="3200" dirty="0"/>
+          </a:p>
+        </p:txBody>
+      </p:sp>
+      <p:sp>
+        <p:nvSpPr>
+          <p:cNvPr id="88" name="TextBox 87">
+            <a:extLst>
+              <a:ext uri="{FF2B5EF4-FFF2-40B4-BE49-F238E27FC236}">
+                <a16:creationId xmlns:a16="http://schemas.microsoft.com/office/drawing/2014/main" id="{D6913520-4950-4408-8B5D-E99293561069}"/>
+              </a:ext>
+            </a:extLst>
+          </p:cNvPr>
+          <p:cNvSpPr txBox="1"/>
+          <p:nvPr/>
+        </p:nvSpPr>
+        <p:spPr>
+          <a:xfrm>
+            <a:off x="5125627" y="3724631"/>
+            <a:ext cx="396262" cy="584775"/>
+          </a:xfrm>
+          <a:prstGeom prst="rect">
+            <a:avLst/>
+          </a:prstGeom>
+          <a:noFill/>
+        </p:spPr>
+        <p:txBody>
+          <a:bodyPr wrap="none" rtlCol="0">
+            <a:spAutoFit/>
+          </a:bodyPr>
+          <a:lstStyle/>
+          <a:p>
+            <a:r>
+              <a:rPr lang="en-US" altLang="ko-KR" sz="3200" dirty="0"/>
+              <a:t>E</a:t>
+            </a:r>
+            <a:endParaRPr lang="ko-KR" altLang="en-US" sz="3200" dirty="0"/>
+          </a:p>
+        </p:txBody>
+      </p:sp>
+      <p:sp>
+        <p:nvSpPr>
+          <p:cNvPr id="89" name="TextBox 88">
+            <a:extLst>
+              <a:ext uri="{FF2B5EF4-FFF2-40B4-BE49-F238E27FC236}">
+                <a16:creationId xmlns:a16="http://schemas.microsoft.com/office/drawing/2014/main" id="{762C9F50-51D2-4ADA-936A-1DC00549464C}"/>
+              </a:ext>
+            </a:extLst>
+          </p:cNvPr>
+          <p:cNvSpPr txBox="1"/>
+          <p:nvPr/>
+        </p:nvSpPr>
+        <p:spPr>
+          <a:xfrm>
+            <a:off x="6323566" y="3724631"/>
+            <a:ext cx="389850" cy="584775"/>
+          </a:xfrm>
+          <a:prstGeom prst="rect">
+            <a:avLst/>
+          </a:prstGeom>
+          <a:noFill/>
+        </p:spPr>
+        <p:txBody>
+          <a:bodyPr wrap="none" rtlCol="0">
+            <a:spAutoFit/>
+          </a:bodyPr>
+          <a:lstStyle/>
+          <a:p>
+            <a:r>
+              <a:rPr lang="en-US" altLang="ko-KR" sz="3200" dirty="0"/>
+              <a:t>F</a:t>
+            </a:r>
+            <a:endParaRPr lang="ko-KR" altLang="en-US" sz="3200" dirty="0"/>
+          </a:p>
+        </p:txBody>
+      </p:sp>
+      <p:sp>
+        <p:nvSpPr>
+          <p:cNvPr id="90" name="TextBox 89">
+            <a:extLst>
+              <a:ext uri="{FF2B5EF4-FFF2-40B4-BE49-F238E27FC236}">
+                <a16:creationId xmlns:a16="http://schemas.microsoft.com/office/drawing/2014/main" id="{C92ACFA0-8A18-4575-82D3-8C2219BF3BA5}"/>
+              </a:ext>
+            </a:extLst>
+          </p:cNvPr>
+          <p:cNvSpPr txBox="1"/>
+          <p:nvPr/>
+        </p:nvSpPr>
+        <p:spPr>
+          <a:xfrm>
+            <a:off x="9013182" y="3720174"/>
+            <a:ext cx="473206" cy="584775"/>
+          </a:xfrm>
+          <a:prstGeom prst="rect">
+            <a:avLst/>
+          </a:prstGeom>
+          <a:noFill/>
+        </p:spPr>
+        <p:txBody>
+          <a:bodyPr wrap="none" rtlCol="0">
+            <a:spAutoFit/>
+          </a:bodyPr>
+          <a:lstStyle/>
+          <a:p>
+            <a:r>
+              <a:rPr lang="en-US" altLang="ko-KR" sz="3200" dirty="0"/>
+              <a:t>G</a:t>
+            </a:r>
+            <a:endParaRPr lang="ko-KR" altLang="en-US" sz="3200" dirty="0"/>
+          </a:p>
+        </p:txBody>
+      </p:sp>
+      <p:sp>
+        <p:nvSpPr>
+          <p:cNvPr id="91" name="TextBox 90">
+            <a:extLst>
+              <a:ext uri="{FF2B5EF4-FFF2-40B4-BE49-F238E27FC236}">
+                <a16:creationId xmlns:a16="http://schemas.microsoft.com/office/drawing/2014/main" id="{48128D06-CB26-44FE-A054-B734F93A3889}"/>
+              </a:ext>
+            </a:extLst>
+          </p:cNvPr>
+          <p:cNvSpPr txBox="1"/>
+          <p:nvPr/>
+        </p:nvSpPr>
+        <p:spPr>
+          <a:xfrm>
+            <a:off x="7995188" y="5267686"/>
+            <a:ext cx="295274" cy="584775"/>
+          </a:xfrm>
+          <a:prstGeom prst="rect">
+            <a:avLst/>
+          </a:prstGeom>
+          <a:noFill/>
+        </p:spPr>
+        <p:txBody>
+          <a:bodyPr wrap="none" rtlCol="0">
+            <a:spAutoFit/>
+          </a:bodyPr>
+          <a:lstStyle/>
+          <a:p>
+            <a:r>
+              <a:rPr lang="en-US" altLang="ko-KR" sz="3200" dirty="0"/>
+              <a:t>I</a:t>
+            </a:r>
+            <a:endParaRPr lang="ko-KR" altLang="en-US" sz="3200" dirty="0"/>
+          </a:p>
+        </p:txBody>
+      </p:sp>
+      <p:sp>
+        <p:nvSpPr>
+          <p:cNvPr id="92" name="TextBox 91">
+            <a:extLst>
+              <a:ext uri="{FF2B5EF4-FFF2-40B4-BE49-F238E27FC236}">
+                <a16:creationId xmlns:a16="http://schemas.microsoft.com/office/drawing/2014/main" id="{97E4C451-5970-4934-8AEB-C1F053CBF7AF}"/>
+              </a:ext>
+            </a:extLst>
+          </p:cNvPr>
+          <p:cNvSpPr txBox="1"/>
+          <p:nvPr/>
+        </p:nvSpPr>
+        <p:spPr>
+          <a:xfrm>
+            <a:off x="10218406" y="5267686"/>
+            <a:ext cx="332142" cy="584775"/>
+          </a:xfrm>
+          <a:prstGeom prst="rect">
+            <a:avLst/>
+          </a:prstGeom>
+          <a:noFill/>
+        </p:spPr>
+        <p:txBody>
+          <a:bodyPr wrap="none" rtlCol="0">
+            <a:spAutoFit/>
+          </a:bodyPr>
+          <a:lstStyle/>
+          <a:p>
+            <a:r>
+              <a:rPr lang="en-US" altLang="ko-KR" sz="3200" dirty="0"/>
+              <a:t>J</a:t>
+            </a:r>
+            <a:endParaRPr lang="ko-KR" altLang="en-US" sz="3200" dirty="0"/>
+          </a:p>
+        </p:txBody>
+      </p:sp>
+      <p:sp>
+        <p:nvSpPr>
+          <p:cNvPr id="93" name="TextBox 92">
+            <a:extLst>
+              <a:ext uri="{FF2B5EF4-FFF2-40B4-BE49-F238E27FC236}">
+                <a16:creationId xmlns:a16="http://schemas.microsoft.com/office/drawing/2014/main" id="{07D4937A-E9A3-4618-B0F9-F672E5CA1F69}"/>
+              </a:ext>
+            </a:extLst>
+          </p:cNvPr>
+          <p:cNvSpPr txBox="1"/>
+          <p:nvPr/>
+        </p:nvSpPr>
+        <p:spPr>
+          <a:xfrm>
+            <a:off x="4251799" y="5263228"/>
+            <a:ext cx="482824" cy="584775"/>
+          </a:xfrm>
+          <a:prstGeom prst="rect">
+            <a:avLst/>
+          </a:prstGeom>
+          <a:noFill/>
+        </p:spPr>
+        <p:txBody>
+          <a:bodyPr wrap="none" rtlCol="0">
+            <a:spAutoFit/>
+          </a:bodyPr>
+          <a:lstStyle/>
+          <a:p>
+            <a:r>
+              <a:rPr lang="en-US" altLang="ko-KR" sz="3200" dirty="0"/>
+              <a:t>H</a:t>
+            </a:r>
+            <a:endParaRPr lang="ko-KR" altLang="en-US" sz="3200" dirty="0"/>
+          </a:p>
+        </p:txBody>
+      </p:sp>
+      <p:sp>
+        <p:nvSpPr>
+          <p:cNvPr id="8" name="자유형: 도형 7">
+            <a:extLst>
+              <a:ext uri="{FF2B5EF4-FFF2-40B4-BE49-F238E27FC236}">
+                <a16:creationId xmlns:a16="http://schemas.microsoft.com/office/drawing/2014/main" id="{F495D45D-673A-406C-A785-27F5A6F1D5AE}"/>
+              </a:ext>
+            </a:extLst>
+          </p:cNvPr>
+          <p:cNvSpPr/>
+          <p:nvPr/>
+        </p:nvSpPr>
+        <p:spPr>
+          <a:xfrm>
+            <a:off x="1475299" y="1588834"/>
+            <a:ext cx="4332065" cy="4737209"/>
+          </a:xfrm>
+          <a:custGeom>
+            <a:avLst/>
+            <a:gdLst>
+              <a:gd name="connsiteX0" fmla="*/ 2457083 w 4332065"/>
+              <a:gd name="connsiteY0" fmla="*/ 8191 h 4737209"/>
+              <a:gd name="connsiteX1" fmla="*/ 1413374 w 4332065"/>
+              <a:gd name="connsiteY1" fmla="*/ 192918 h 4737209"/>
+              <a:gd name="connsiteX2" fmla="*/ 1062392 w 4332065"/>
+              <a:gd name="connsiteY2" fmla="*/ 322227 h 4737209"/>
+              <a:gd name="connsiteX3" fmla="*/ 415846 w 4332065"/>
+              <a:gd name="connsiteY3" fmla="*/ 978009 h 4737209"/>
+              <a:gd name="connsiteX4" fmla="*/ 55628 w 4332065"/>
+              <a:gd name="connsiteY4" fmla="*/ 1689209 h 4737209"/>
+              <a:gd name="connsiteX5" fmla="*/ 18683 w 4332065"/>
+              <a:gd name="connsiteY5" fmla="*/ 2132555 h 4737209"/>
+              <a:gd name="connsiteX6" fmla="*/ 64865 w 4332065"/>
+              <a:gd name="connsiteY6" fmla="*/ 2834518 h 4737209"/>
+              <a:gd name="connsiteX7" fmla="*/ 203410 w 4332065"/>
+              <a:gd name="connsiteY7" fmla="*/ 3111609 h 4737209"/>
+              <a:gd name="connsiteX8" fmla="*/ 822246 w 4332065"/>
+              <a:gd name="connsiteY8" fmla="*/ 4035246 h 4737209"/>
+              <a:gd name="connsiteX9" fmla="*/ 1247119 w 4332065"/>
+              <a:gd name="connsiteY9" fmla="*/ 4349282 h 4737209"/>
+              <a:gd name="connsiteX10" fmla="*/ 1801301 w 4332065"/>
+              <a:gd name="connsiteY10" fmla="*/ 4691027 h 4737209"/>
+              <a:gd name="connsiteX11" fmla="*/ 1958319 w 4332065"/>
+              <a:gd name="connsiteY11" fmla="*/ 4709500 h 4737209"/>
+              <a:gd name="connsiteX12" fmla="*/ 2577156 w 4332065"/>
+              <a:gd name="connsiteY12" fmla="*/ 4737209 h 4737209"/>
+              <a:gd name="connsiteX13" fmla="*/ 2872719 w 4332065"/>
+              <a:gd name="connsiteY13" fmla="*/ 4727973 h 4737209"/>
+              <a:gd name="connsiteX14" fmla="*/ 2992792 w 4332065"/>
+              <a:gd name="connsiteY14" fmla="*/ 4709500 h 4737209"/>
+              <a:gd name="connsiteX15" fmla="*/ 3094392 w 4332065"/>
+              <a:gd name="connsiteY15" fmla="*/ 4700264 h 4737209"/>
+              <a:gd name="connsiteX16" fmla="*/ 3279119 w 4332065"/>
+              <a:gd name="connsiteY16" fmla="*/ 4626373 h 4737209"/>
+              <a:gd name="connsiteX17" fmla="*/ 3454610 w 4332065"/>
+              <a:gd name="connsiteY17" fmla="*/ 4478591 h 4737209"/>
+              <a:gd name="connsiteX18" fmla="*/ 3556210 w 4332065"/>
+              <a:gd name="connsiteY18" fmla="*/ 4413936 h 4737209"/>
+              <a:gd name="connsiteX19" fmla="*/ 3620865 w 4332065"/>
+              <a:gd name="connsiteY19" fmla="*/ 4330809 h 4737209"/>
+              <a:gd name="connsiteX20" fmla="*/ 3694756 w 4332065"/>
+              <a:gd name="connsiteY20" fmla="*/ 4219973 h 4737209"/>
+              <a:gd name="connsiteX21" fmla="*/ 3768646 w 4332065"/>
+              <a:gd name="connsiteY21" fmla="*/ 4136846 h 4737209"/>
+              <a:gd name="connsiteX22" fmla="*/ 3833301 w 4332065"/>
+              <a:gd name="connsiteY22" fmla="*/ 3989064 h 4737209"/>
+              <a:gd name="connsiteX23" fmla="*/ 3888719 w 4332065"/>
+              <a:gd name="connsiteY23" fmla="*/ 3878227 h 4737209"/>
+              <a:gd name="connsiteX24" fmla="*/ 3925665 w 4332065"/>
+              <a:gd name="connsiteY24" fmla="*/ 3767391 h 4737209"/>
+              <a:gd name="connsiteX25" fmla="*/ 3971846 w 4332065"/>
+              <a:gd name="connsiteY25" fmla="*/ 3693500 h 4737209"/>
+              <a:gd name="connsiteX26" fmla="*/ 4091919 w 4332065"/>
+              <a:gd name="connsiteY26" fmla="*/ 3462591 h 4737209"/>
+              <a:gd name="connsiteX27" fmla="*/ 4156574 w 4332065"/>
+              <a:gd name="connsiteY27" fmla="*/ 3360991 h 4737209"/>
+              <a:gd name="connsiteX28" fmla="*/ 4193519 w 4332065"/>
+              <a:gd name="connsiteY28" fmla="*/ 3314809 h 4737209"/>
+              <a:gd name="connsiteX29" fmla="*/ 4239701 w 4332065"/>
+              <a:gd name="connsiteY29" fmla="*/ 3194736 h 4737209"/>
+              <a:gd name="connsiteX30" fmla="*/ 4267410 w 4332065"/>
+              <a:gd name="connsiteY30" fmla="*/ 3120846 h 4737209"/>
+              <a:gd name="connsiteX31" fmla="*/ 4313592 w 4332065"/>
+              <a:gd name="connsiteY31" fmla="*/ 2825282 h 4737209"/>
+              <a:gd name="connsiteX32" fmla="*/ 4332065 w 4332065"/>
+              <a:gd name="connsiteY32" fmla="*/ 2686736 h 4737209"/>
+              <a:gd name="connsiteX33" fmla="*/ 4304356 w 4332065"/>
+              <a:gd name="connsiteY33" fmla="*/ 1864700 h 4737209"/>
+              <a:gd name="connsiteX34" fmla="*/ 4267410 w 4332065"/>
+              <a:gd name="connsiteY34" fmla="*/ 1689209 h 4737209"/>
+              <a:gd name="connsiteX35" fmla="*/ 4128865 w 4332065"/>
+              <a:gd name="connsiteY35" fmla="*/ 1319755 h 4737209"/>
+              <a:gd name="connsiteX36" fmla="*/ 3916428 w 4332065"/>
+              <a:gd name="connsiteY36" fmla="*/ 913355 h 4737209"/>
+              <a:gd name="connsiteX37" fmla="*/ 3731701 w 4332065"/>
+              <a:gd name="connsiteY37" fmla="*/ 691682 h 4737209"/>
+              <a:gd name="connsiteX38" fmla="*/ 3454610 w 4332065"/>
+              <a:gd name="connsiteY38" fmla="*/ 516191 h 4737209"/>
+              <a:gd name="connsiteX39" fmla="*/ 3389956 w 4332065"/>
+              <a:gd name="connsiteY39" fmla="*/ 479246 h 4737209"/>
+              <a:gd name="connsiteX40" fmla="*/ 3159046 w 4332065"/>
+              <a:gd name="connsiteY40" fmla="*/ 359173 h 4737209"/>
+              <a:gd name="connsiteX41" fmla="*/ 3020501 w 4332065"/>
+              <a:gd name="connsiteY41" fmla="*/ 257573 h 4737209"/>
+              <a:gd name="connsiteX42" fmla="*/ 2937374 w 4332065"/>
+              <a:gd name="connsiteY42" fmla="*/ 202155 h 4737209"/>
+              <a:gd name="connsiteX43" fmla="*/ 2835774 w 4332065"/>
+              <a:gd name="connsiteY43" fmla="*/ 128264 h 4737209"/>
+              <a:gd name="connsiteX44" fmla="*/ 2724937 w 4332065"/>
+              <a:gd name="connsiteY44" fmla="*/ 100555 h 4737209"/>
+              <a:gd name="connsiteX45" fmla="*/ 2697228 w 4332065"/>
+              <a:gd name="connsiteY45" fmla="*/ 91318 h 4737209"/>
+              <a:gd name="connsiteX46" fmla="*/ 2614101 w 4332065"/>
+              <a:gd name="connsiteY46" fmla="*/ 72846 h 4737209"/>
+              <a:gd name="connsiteX47" fmla="*/ 2484792 w 4332065"/>
+              <a:gd name="connsiteY47" fmla="*/ 35900 h 4737209"/>
+              <a:gd name="connsiteX48" fmla="*/ 2457083 w 4332065"/>
+              <a:gd name="connsiteY48" fmla="*/ 8191 h 4737209"/>
+            </a:gdLst>
+            <a:ahLst/>
+            <a:cxnLst>
+              <a:cxn ang="0">
+                <a:pos x="connsiteX0" y="connsiteY0"/>
+              </a:cxn>
+              <a:cxn ang="0">
+                <a:pos x="connsiteX1" y="connsiteY1"/>
+              </a:cxn>
+              <a:cxn ang="0">
+                <a:pos x="connsiteX2" y="connsiteY2"/>
+              </a:cxn>
+              <a:cxn ang="0">
+                <a:pos x="connsiteX3" y="connsiteY3"/>
+              </a:cxn>
+              <a:cxn ang="0">
+                <a:pos x="connsiteX4" y="connsiteY4"/>
+              </a:cxn>
+              <a:cxn ang="0">
+                <a:pos x="connsiteX5" y="connsiteY5"/>
+              </a:cxn>
+              <a:cxn ang="0">
+                <a:pos x="connsiteX6" y="connsiteY6"/>
+              </a:cxn>
+              <a:cxn ang="0">
+                <a:pos x="connsiteX7" y="connsiteY7"/>
+              </a:cxn>
+              <a:cxn ang="0">
+                <a:pos x="connsiteX8" y="connsiteY8"/>
+              </a:cxn>
+              <a:cxn ang="0">
+                <a:pos x="connsiteX9" y="connsiteY9"/>
+              </a:cxn>
+              <a:cxn ang="0">
+                <a:pos x="connsiteX10" y="connsiteY10"/>
+              </a:cxn>
+              <a:cxn ang="0">
+                <a:pos x="connsiteX11" y="connsiteY11"/>
+              </a:cxn>
+              <a:cxn ang="0">
+                <a:pos x="connsiteX12" y="connsiteY12"/>
+              </a:cxn>
+              <a:cxn ang="0">
+                <a:pos x="connsiteX13" y="connsiteY13"/>
+              </a:cxn>
+              <a:cxn ang="0">
+                <a:pos x="connsiteX14" y="connsiteY14"/>
+              </a:cxn>
+              <a:cxn ang="0">
+                <a:pos x="connsiteX15" y="connsiteY15"/>
+              </a:cxn>
+              <a:cxn ang="0">
+                <a:pos x="connsiteX16" y="connsiteY16"/>
+              </a:cxn>
+              <a:cxn ang="0">
+                <a:pos x="connsiteX17" y="connsiteY17"/>
+              </a:cxn>
+              <a:cxn ang="0">
+                <a:pos x="connsiteX18" y="connsiteY18"/>
+              </a:cxn>
+              <a:cxn ang="0">
+                <a:pos x="connsiteX19" y="connsiteY19"/>
+              </a:cxn>
+              <a:cxn ang="0">
+                <a:pos x="connsiteX20" y="connsiteY20"/>
+              </a:cxn>
+              <a:cxn ang="0">
+                <a:pos x="connsiteX21" y="connsiteY21"/>
+              </a:cxn>
+              <a:cxn ang="0">
+                <a:pos x="connsiteX22" y="connsiteY22"/>
+              </a:cxn>
+              <a:cxn ang="0">
+                <a:pos x="connsiteX23" y="connsiteY23"/>
+              </a:cxn>
+              <a:cxn ang="0">
+                <a:pos x="connsiteX24" y="connsiteY24"/>
+              </a:cxn>
+              <a:cxn ang="0">
+                <a:pos x="connsiteX25" y="connsiteY25"/>
+              </a:cxn>
+              <a:cxn ang="0">
+                <a:pos x="connsiteX26" y="connsiteY26"/>
+              </a:cxn>
+              <a:cxn ang="0">
+                <a:pos x="connsiteX27" y="connsiteY27"/>
+              </a:cxn>
+              <a:cxn ang="0">
+                <a:pos x="connsiteX28" y="connsiteY28"/>
+              </a:cxn>
+              <a:cxn ang="0">
+                <a:pos x="connsiteX29" y="connsiteY29"/>
+              </a:cxn>
+              <a:cxn ang="0">
+                <a:pos x="connsiteX30" y="connsiteY30"/>
+              </a:cxn>
+              <a:cxn ang="0">
+                <a:pos x="connsiteX31" y="connsiteY31"/>
+              </a:cxn>
+              <a:cxn ang="0">
+                <a:pos x="connsiteX32" y="connsiteY32"/>
+              </a:cxn>
+              <a:cxn ang="0">
+                <a:pos x="connsiteX33" y="connsiteY33"/>
+              </a:cxn>
+              <a:cxn ang="0">
+                <a:pos x="connsiteX34" y="connsiteY34"/>
+              </a:cxn>
+              <a:cxn ang="0">
+                <a:pos x="connsiteX35" y="connsiteY35"/>
+              </a:cxn>
+              <a:cxn ang="0">
+                <a:pos x="connsiteX36" y="connsiteY36"/>
+              </a:cxn>
+              <a:cxn ang="0">
+                <a:pos x="connsiteX37" y="connsiteY37"/>
+              </a:cxn>
+              <a:cxn ang="0">
+                <a:pos x="connsiteX38" y="connsiteY38"/>
+              </a:cxn>
+              <a:cxn ang="0">
+                <a:pos x="connsiteX39" y="connsiteY39"/>
+              </a:cxn>
+              <a:cxn ang="0">
+                <a:pos x="connsiteX40" y="connsiteY40"/>
+              </a:cxn>
+              <a:cxn ang="0">
+                <a:pos x="connsiteX41" y="connsiteY41"/>
+              </a:cxn>
+              <a:cxn ang="0">
+                <a:pos x="connsiteX42" y="connsiteY42"/>
+              </a:cxn>
+              <a:cxn ang="0">
+                <a:pos x="connsiteX43" y="connsiteY43"/>
+              </a:cxn>
+              <a:cxn ang="0">
+                <a:pos x="connsiteX44" y="connsiteY44"/>
+              </a:cxn>
+              <a:cxn ang="0">
+                <a:pos x="connsiteX45" y="connsiteY45"/>
+              </a:cxn>
+              <a:cxn ang="0">
+                <a:pos x="connsiteX46" y="connsiteY46"/>
+              </a:cxn>
+              <a:cxn ang="0">
+                <a:pos x="connsiteX47" y="connsiteY47"/>
+              </a:cxn>
+              <a:cxn ang="0">
+                <a:pos x="connsiteX48" y="connsiteY48"/>
+              </a:cxn>
+            </a:cxnLst>
+            <a:rect l="l" t="t" r="r" b="b"/>
+            <a:pathLst>
+              <a:path w="4332065" h="4737209">
+                <a:moveTo>
+                  <a:pt x="2457083" y="8191"/>
+                </a:moveTo>
+                <a:cubicBezTo>
+                  <a:pt x="2278513" y="34361"/>
+                  <a:pt x="1810423" y="85715"/>
+                  <a:pt x="1413374" y="192918"/>
+                </a:cubicBezTo>
+                <a:cubicBezTo>
+                  <a:pt x="1293003" y="225418"/>
+                  <a:pt x="1173595" y="265842"/>
+                  <a:pt x="1062392" y="322227"/>
+                </a:cubicBezTo>
+                <a:cubicBezTo>
+                  <a:pt x="706228" y="502817"/>
+                  <a:pt x="667188" y="625319"/>
+                  <a:pt x="415846" y="978009"/>
+                </a:cubicBezTo>
+                <a:cubicBezTo>
+                  <a:pt x="140247" y="1364737"/>
+                  <a:pt x="209089" y="1261710"/>
+                  <a:pt x="55628" y="1689209"/>
+                </a:cubicBezTo>
+                <a:cubicBezTo>
+                  <a:pt x="43313" y="1836991"/>
+                  <a:pt x="29125" y="1984629"/>
+                  <a:pt x="18683" y="2132555"/>
+                </a:cubicBezTo>
+                <a:cubicBezTo>
+                  <a:pt x="-1488" y="2418317"/>
+                  <a:pt x="-25169" y="2552138"/>
+                  <a:pt x="64865" y="2834518"/>
+                </a:cubicBezTo>
+                <a:cubicBezTo>
+                  <a:pt x="96234" y="2932904"/>
+                  <a:pt x="151377" y="3022410"/>
+                  <a:pt x="203410" y="3111609"/>
+                </a:cubicBezTo>
+                <a:cubicBezTo>
+                  <a:pt x="358948" y="3378245"/>
+                  <a:pt x="598025" y="3781779"/>
+                  <a:pt x="822246" y="4035246"/>
+                </a:cubicBezTo>
+                <a:cubicBezTo>
+                  <a:pt x="978096" y="4211425"/>
+                  <a:pt x="1048451" y="4218161"/>
+                  <a:pt x="1247119" y="4349282"/>
+                </a:cubicBezTo>
+                <a:cubicBezTo>
+                  <a:pt x="1467809" y="4494937"/>
+                  <a:pt x="1535891" y="4580857"/>
+                  <a:pt x="1801301" y="4691027"/>
+                </a:cubicBezTo>
+                <a:cubicBezTo>
+                  <a:pt x="1849975" y="4711231"/>
+                  <a:pt x="1905980" y="4703342"/>
+                  <a:pt x="1958319" y="4709500"/>
+                </a:cubicBezTo>
+                <a:cubicBezTo>
+                  <a:pt x="2419808" y="4687525"/>
+                  <a:pt x="1812110" y="4707784"/>
+                  <a:pt x="2577156" y="4737209"/>
+                </a:cubicBezTo>
+                <a:lnTo>
+                  <a:pt x="2872719" y="4727973"/>
+                </a:lnTo>
+                <a:cubicBezTo>
+                  <a:pt x="2912743" y="4721815"/>
+                  <a:pt x="2952609" y="4714523"/>
+                  <a:pt x="2992792" y="4709500"/>
+                </a:cubicBezTo>
+                <a:cubicBezTo>
+                  <a:pt x="3026536" y="4705282"/>
+                  <a:pt x="3061734" y="4709745"/>
+                  <a:pt x="3094392" y="4700264"/>
+                </a:cubicBezTo>
+                <a:cubicBezTo>
+                  <a:pt x="3158081" y="4681774"/>
+                  <a:pt x="3220602" y="4657582"/>
+                  <a:pt x="3279119" y="4626373"/>
+                </a:cubicBezTo>
+                <a:cubicBezTo>
+                  <a:pt x="3327887" y="4600364"/>
+                  <a:pt x="3410228" y="4511877"/>
+                  <a:pt x="3454610" y="4478591"/>
+                </a:cubicBezTo>
+                <a:cubicBezTo>
+                  <a:pt x="3486724" y="4454505"/>
+                  <a:pt x="3522343" y="4435488"/>
+                  <a:pt x="3556210" y="4413936"/>
+                </a:cubicBezTo>
+                <a:cubicBezTo>
+                  <a:pt x="3577762" y="4386227"/>
+                  <a:pt x="3600461" y="4359374"/>
+                  <a:pt x="3620865" y="4330809"/>
+                </a:cubicBezTo>
+                <a:cubicBezTo>
+                  <a:pt x="3646674" y="4294677"/>
+                  <a:pt x="3667846" y="4255292"/>
+                  <a:pt x="3694756" y="4219973"/>
+                </a:cubicBezTo>
+                <a:cubicBezTo>
+                  <a:pt x="3717224" y="4190484"/>
+                  <a:pt x="3746722" y="4166742"/>
+                  <a:pt x="3768646" y="4136846"/>
+                </a:cubicBezTo>
+                <a:cubicBezTo>
+                  <a:pt x="3788789" y="4109379"/>
+                  <a:pt x="3824644" y="4008110"/>
+                  <a:pt x="3833301" y="3989064"/>
+                </a:cubicBezTo>
+                <a:cubicBezTo>
+                  <a:pt x="3850394" y="3951460"/>
+                  <a:pt x="3872832" y="3916356"/>
+                  <a:pt x="3888719" y="3878227"/>
+                </a:cubicBezTo>
+                <a:cubicBezTo>
+                  <a:pt x="3903697" y="3842279"/>
+                  <a:pt x="3909684" y="3802905"/>
+                  <a:pt x="3925665" y="3767391"/>
+                </a:cubicBezTo>
+                <a:cubicBezTo>
+                  <a:pt x="3937584" y="3740904"/>
+                  <a:pt x="3957938" y="3718999"/>
+                  <a:pt x="3971846" y="3693500"/>
+                </a:cubicBezTo>
+                <a:cubicBezTo>
+                  <a:pt x="4013388" y="3617339"/>
+                  <a:pt x="4045343" y="3535782"/>
+                  <a:pt x="4091919" y="3462591"/>
+                </a:cubicBezTo>
+                <a:cubicBezTo>
+                  <a:pt x="4113471" y="3428724"/>
+                  <a:pt x="4133832" y="3394070"/>
+                  <a:pt x="4156574" y="3360991"/>
+                </a:cubicBezTo>
+                <a:cubicBezTo>
+                  <a:pt x="4167742" y="3344746"/>
+                  <a:pt x="4184703" y="3332442"/>
+                  <a:pt x="4193519" y="3314809"/>
+                </a:cubicBezTo>
+                <a:cubicBezTo>
+                  <a:pt x="4212697" y="3276454"/>
+                  <a:pt x="4224435" y="3234809"/>
+                  <a:pt x="4239701" y="3194736"/>
+                </a:cubicBezTo>
+                <a:cubicBezTo>
+                  <a:pt x="4249065" y="3170154"/>
+                  <a:pt x="4261704" y="3146524"/>
+                  <a:pt x="4267410" y="3120846"/>
+                </a:cubicBezTo>
+                <a:cubicBezTo>
+                  <a:pt x="4299434" y="2976739"/>
+                  <a:pt x="4287094" y="3043896"/>
+                  <a:pt x="4313592" y="2825282"/>
+                </a:cubicBezTo>
+                <a:cubicBezTo>
+                  <a:pt x="4330205" y="2688226"/>
+                  <a:pt x="4313809" y="2778009"/>
+                  <a:pt x="4332065" y="2686736"/>
+                </a:cubicBezTo>
+                <a:cubicBezTo>
+                  <a:pt x="4322829" y="2412724"/>
+                  <a:pt x="4322089" y="2138294"/>
+                  <a:pt x="4304356" y="1864700"/>
+                </a:cubicBezTo>
+                <a:cubicBezTo>
+                  <a:pt x="4300489" y="1805046"/>
+                  <a:pt x="4285734" y="1746111"/>
+                  <a:pt x="4267410" y="1689209"/>
+                </a:cubicBezTo>
+                <a:cubicBezTo>
+                  <a:pt x="4227093" y="1564015"/>
+                  <a:pt x="4182666" y="1439773"/>
+                  <a:pt x="4128865" y="1319755"/>
+                </a:cubicBezTo>
+                <a:cubicBezTo>
+                  <a:pt x="4022299" y="1082031"/>
+                  <a:pt x="4042526" y="1087490"/>
+                  <a:pt x="3916428" y="913355"/>
+                </a:cubicBezTo>
+                <a:cubicBezTo>
+                  <a:pt x="3902254" y="893782"/>
+                  <a:pt x="3766099" y="717260"/>
+                  <a:pt x="3731701" y="691682"/>
+                </a:cubicBezTo>
+                <a:cubicBezTo>
+                  <a:pt x="3643968" y="626445"/>
+                  <a:pt x="3549535" y="570433"/>
+                  <a:pt x="3454610" y="516191"/>
+                </a:cubicBezTo>
+                <a:cubicBezTo>
+                  <a:pt x="3433059" y="503876"/>
+                  <a:pt x="3412157" y="490347"/>
+                  <a:pt x="3389956" y="479246"/>
+                </a:cubicBezTo>
+                <a:cubicBezTo>
+                  <a:pt x="3282033" y="425284"/>
+                  <a:pt x="3305236" y="466379"/>
+                  <a:pt x="3159046" y="359173"/>
+                </a:cubicBezTo>
+                <a:cubicBezTo>
+                  <a:pt x="3112864" y="325306"/>
+                  <a:pt x="3067234" y="290675"/>
+                  <a:pt x="3020501" y="257573"/>
+                </a:cubicBezTo>
+                <a:cubicBezTo>
+                  <a:pt x="2993326" y="238324"/>
+                  <a:pt x="2963378" y="222959"/>
+                  <a:pt x="2937374" y="202155"/>
+                </a:cubicBezTo>
+                <a:cubicBezTo>
+                  <a:pt x="2912505" y="182260"/>
+                  <a:pt x="2864069" y="141323"/>
+                  <a:pt x="2835774" y="128264"/>
+                </a:cubicBezTo>
+                <a:cubicBezTo>
+                  <a:pt x="2799301" y="111431"/>
+                  <a:pt x="2762786" y="110017"/>
+                  <a:pt x="2724937" y="100555"/>
+                </a:cubicBezTo>
+                <a:cubicBezTo>
+                  <a:pt x="2715492" y="98194"/>
+                  <a:pt x="2706589" y="93993"/>
+                  <a:pt x="2697228" y="91318"/>
+                </a:cubicBezTo>
+                <a:cubicBezTo>
+                  <a:pt x="2666797" y="82623"/>
+                  <a:pt x="2645840" y="79193"/>
+                  <a:pt x="2614101" y="72846"/>
+                </a:cubicBezTo>
+                <a:cubicBezTo>
+                  <a:pt x="2520834" y="32873"/>
+                  <a:pt x="2580645" y="51875"/>
+                  <a:pt x="2484792" y="35900"/>
+                </a:cubicBezTo>
+                <a:cubicBezTo>
+                  <a:pt x="2425751" y="26060"/>
+                  <a:pt x="2635653" y="-17979"/>
+                  <a:pt x="2457083" y="8191"/>
+                </a:cubicBezTo>
+                <a:close/>
+              </a:path>
+            </a:pathLst>
+          </a:custGeom>
+          <a:noFill/>
+          <a:ln>
+            <a:solidFill>
+              <a:schemeClr val="tx1"/>
+            </a:solidFill>
+            <a:prstDash val="sysDash"/>
+          </a:ln>
+        </p:spPr>
+        <p:style>
+          <a:lnRef idx="2">
+            <a:schemeClr val="accent1">
+              <a:shade val="50000"/>
+            </a:schemeClr>
+          </a:lnRef>
+          <a:fillRef idx="1">
+            <a:schemeClr val="accent1"/>
+          </a:fillRef>
+          <a:effectRef idx="0">
+            <a:schemeClr val="accent1"/>
+          </a:effectRef>
+          <a:fontRef idx="minor">
+            <a:schemeClr val="lt1"/>
+          </a:fontRef>
+        </p:style>
+        <p:txBody>
+          <a:bodyPr rtlCol="0" anchor="ctr"/>
+          <a:lstStyle/>
+          <a:p>
+            <a:pPr algn="ctr"/>
+            <a:endParaRPr lang="ko-KR" altLang="en-US"/>
+          </a:p>
+        </p:txBody>
+      </p:sp>
+      <p:sp>
+        <p:nvSpPr>
+          <p:cNvPr id="9" name="자유형: 도형 8">
+            <a:extLst>
+              <a:ext uri="{FF2B5EF4-FFF2-40B4-BE49-F238E27FC236}">
+                <a16:creationId xmlns:a16="http://schemas.microsoft.com/office/drawing/2014/main" id="{E943D951-D280-444E-A8F8-B68B347F5593}"/>
+              </a:ext>
+            </a:extLst>
+          </p:cNvPr>
+          <p:cNvSpPr/>
+          <p:nvPr/>
+        </p:nvSpPr>
+        <p:spPr>
+          <a:xfrm>
+            <a:off x="3751983" y="3362325"/>
+            <a:ext cx="2029692" cy="2714625"/>
+          </a:xfrm>
+          <a:custGeom>
+            <a:avLst/>
+            <a:gdLst>
+              <a:gd name="connsiteX0" fmla="*/ 1620117 w 2029692"/>
+              <a:gd name="connsiteY0" fmla="*/ 0 h 2714625"/>
+              <a:gd name="connsiteX1" fmla="*/ 1401042 w 2029692"/>
+              <a:gd name="connsiteY1" fmla="*/ 9525 h 2714625"/>
+              <a:gd name="connsiteX2" fmla="*/ 981942 w 2029692"/>
+              <a:gd name="connsiteY2" fmla="*/ 114300 h 2714625"/>
+              <a:gd name="connsiteX3" fmla="*/ 724767 w 2029692"/>
+              <a:gd name="connsiteY3" fmla="*/ 238125 h 2714625"/>
+              <a:gd name="connsiteX4" fmla="*/ 324717 w 2029692"/>
+              <a:gd name="connsiteY4" fmla="*/ 704850 h 2714625"/>
+              <a:gd name="connsiteX5" fmla="*/ 219942 w 2029692"/>
+              <a:gd name="connsiteY5" fmla="*/ 838200 h 2714625"/>
+              <a:gd name="connsiteX6" fmla="*/ 19917 w 2029692"/>
+              <a:gd name="connsiteY6" fmla="*/ 1400175 h 2714625"/>
+              <a:gd name="connsiteX7" fmla="*/ 867 w 2029692"/>
+              <a:gd name="connsiteY7" fmla="*/ 1790700 h 2714625"/>
+              <a:gd name="connsiteX8" fmla="*/ 58017 w 2029692"/>
+              <a:gd name="connsiteY8" fmla="*/ 2400300 h 2714625"/>
+              <a:gd name="connsiteX9" fmla="*/ 105642 w 2029692"/>
+              <a:gd name="connsiteY9" fmla="*/ 2457450 h 2714625"/>
+              <a:gd name="connsiteX10" fmla="*/ 153267 w 2029692"/>
+              <a:gd name="connsiteY10" fmla="*/ 2476500 h 2714625"/>
+              <a:gd name="connsiteX11" fmla="*/ 191367 w 2029692"/>
+              <a:gd name="connsiteY11" fmla="*/ 2495550 h 2714625"/>
+              <a:gd name="connsiteX12" fmla="*/ 229467 w 2029692"/>
+              <a:gd name="connsiteY12" fmla="*/ 2524125 h 2714625"/>
+              <a:gd name="connsiteX13" fmla="*/ 343767 w 2029692"/>
+              <a:gd name="connsiteY13" fmla="*/ 2562225 h 2714625"/>
+              <a:gd name="connsiteX14" fmla="*/ 419967 w 2029692"/>
+              <a:gd name="connsiteY14" fmla="*/ 2590800 h 2714625"/>
+              <a:gd name="connsiteX15" fmla="*/ 448542 w 2029692"/>
+              <a:gd name="connsiteY15" fmla="*/ 2600325 h 2714625"/>
+              <a:gd name="connsiteX16" fmla="*/ 524742 w 2029692"/>
+              <a:gd name="connsiteY16" fmla="*/ 2628900 h 2714625"/>
+              <a:gd name="connsiteX17" fmla="*/ 581892 w 2029692"/>
+              <a:gd name="connsiteY17" fmla="*/ 2676525 h 2714625"/>
+              <a:gd name="connsiteX18" fmla="*/ 648567 w 2029692"/>
+              <a:gd name="connsiteY18" fmla="*/ 2686050 h 2714625"/>
+              <a:gd name="connsiteX19" fmla="*/ 762867 w 2029692"/>
+              <a:gd name="connsiteY19" fmla="*/ 2714625 h 2714625"/>
+              <a:gd name="connsiteX20" fmla="*/ 1010517 w 2029692"/>
+              <a:gd name="connsiteY20" fmla="*/ 2676525 h 2714625"/>
+              <a:gd name="connsiteX21" fmla="*/ 1172442 w 2029692"/>
+              <a:gd name="connsiteY21" fmla="*/ 2571750 h 2714625"/>
+              <a:gd name="connsiteX22" fmla="*/ 1220067 w 2029692"/>
+              <a:gd name="connsiteY22" fmla="*/ 2552700 h 2714625"/>
+              <a:gd name="connsiteX23" fmla="*/ 1277217 w 2029692"/>
+              <a:gd name="connsiteY23" fmla="*/ 2505075 h 2714625"/>
+              <a:gd name="connsiteX24" fmla="*/ 1315317 w 2029692"/>
+              <a:gd name="connsiteY24" fmla="*/ 2457450 h 2714625"/>
+              <a:gd name="connsiteX25" fmla="*/ 1362942 w 2029692"/>
+              <a:gd name="connsiteY25" fmla="*/ 2428875 h 2714625"/>
+              <a:gd name="connsiteX26" fmla="*/ 1439142 w 2029692"/>
+              <a:gd name="connsiteY26" fmla="*/ 2324100 h 2714625"/>
+              <a:gd name="connsiteX27" fmla="*/ 1515342 w 2029692"/>
+              <a:gd name="connsiteY27" fmla="*/ 2152650 h 2714625"/>
+              <a:gd name="connsiteX28" fmla="*/ 1553442 w 2029692"/>
+              <a:gd name="connsiteY28" fmla="*/ 2076450 h 2714625"/>
+              <a:gd name="connsiteX29" fmla="*/ 1591542 w 2029692"/>
+              <a:gd name="connsiteY29" fmla="*/ 1990725 h 2714625"/>
+              <a:gd name="connsiteX30" fmla="*/ 1667742 w 2029692"/>
+              <a:gd name="connsiteY30" fmla="*/ 1876425 h 2714625"/>
+              <a:gd name="connsiteX31" fmla="*/ 1696317 w 2029692"/>
+              <a:gd name="connsiteY31" fmla="*/ 1809750 h 2714625"/>
+              <a:gd name="connsiteX32" fmla="*/ 1772517 w 2029692"/>
+              <a:gd name="connsiteY32" fmla="*/ 1647825 h 2714625"/>
+              <a:gd name="connsiteX33" fmla="*/ 1867767 w 2029692"/>
+              <a:gd name="connsiteY33" fmla="*/ 1333500 h 2714625"/>
+              <a:gd name="connsiteX34" fmla="*/ 1886817 w 2029692"/>
+              <a:gd name="connsiteY34" fmla="*/ 1285875 h 2714625"/>
+              <a:gd name="connsiteX35" fmla="*/ 1905867 w 2029692"/>
+              <a:gd name="connsiteY35" fmla="*/ 1219200 h 2714625"/>
+              <a:gd name="connsiteX36" fmla="*/ 1915392 w 2029692"/>
+              <a:gd name="connsiteY36" fmla="*/ 1181100 h 2714625"/>
+              <a:gd name="connsiteX37" fmla="*/ 1934442 w 2029692"/>
+              <a:gd name="connsiteY37" fmla="*/ 1152525 h 2714625"/>
+              <a:gd name="connsiteX38" fmla="*/ 1972542 w 2029692"/>
+              <a:gd name="connsiteY38" fmla="*/ 1038225 h 2714625"/>
+              <a:gd name="connsiteX39" fmla="*/ 2001117 w 2029692"/>
+              <a:gd name="connsiteY39" fmla="*/ 962025 h 2714625"/>
+              <a:gd name="connsiteX40" fmla="*/ 2020167 w 2029692"/>
+              <a:gd name="connsiteY40" fmla="*/ 723900 h 2714625"/>
+              <a:gd name="connsiteX41" fmla="*/ 2029692 w 2029692"/>
+              <a:gd name="connsiteY41" fmla="*/ 676275 h 2714625"/>
+              <a:gd name="connsiteX42" fmla="*/ 2001117 w 2029692"/>
+              <a:gd name="connsiteY42" fmla="*/ 428625 h 2714625"/>
+              <a:gd name="connsiteX43" fmla="*/ 1982067 w 2029692"/>
+              <a:gd name="connsiteY43" fmla="*/ 361950 h 2714625"/>
+              <a:gd name="connsiteX44" fmla="*/ 1877292 w 2029692"/>
+              <a:gd name="connsiteY44" fmla="*/ 228600 h 2714625"/>
+              <a:gd name="connsiteX45" fmla="*/ 1762992 w 2029692"/>
+              <a:gd name="connsiteY45" fmla="*/ 123825 h 2714625"/>
+              <a:gd name="connsiteX46" fmla="*/ 1734417 w 2029692"/>
+              <a:gd name="connsiteY46" fmla="*/ 95250 h 2714625"/>
+              <a:gd name="connsiteX47" fmla="*/ 1677267 w 2029692"/>
+              <a:gd name="connsiteY47" fmla="*/ 76200 h 2714625"/>
+              <a:gd name="connsiteX48" fmla="*/ 1610592 w 2029692"/>
+              <a:gd name="connsiteY48" fmla="*/ 38100 h 2714625"/>
+              <a:gd name="connsiteX49" fmla="*/ 1562967 w 2029692"/>
+              <a:gd name="connsiteY49" fmla="*/ 19050 h 2714625"/>
+            </a:gdLst>
+            <a:ahLst/>
+            <a:cxnLst>
+              <a:cxn ang="0">
+                <a:pos x="connsiteX0" y="connsiteY0"/>
+              </a:cxn>
+              <a:cxn ang="0">
+                <a:pos x="connsiteX1" y="connsiteY1"/>
+              </a:cxn>
+              <a:cxn ang="0">
+                <a:pos x="connsiteX2" y="connsiteY2"/>
+              </a:cxn>
+              <a:cxn ang="0">
+                <a:pos x="connsiteX3" y="connsiteY3"/>
+              </a:cxn>
+              <a:cxn ang="0">
+                <a:pos x="connsiteX4" y="connsiteY4"/>
+              </a:cxn>
+              <a:cxn ang="0">
+                <a:pos x="connsiteX5" y="connsiteY5"/>
+              </a:cxn>
+              <a:cxn ang="0">
+                <a:pos x="connsiteX6" y="connsiteY6"/>
+              </a:cxn>
+              <a:cxn ang="0">
+                <a:pos x="connsiteX7" y="connsiteY7"/>
+              </a:cxn>
+              <a:cxn ang="0">
+                <a:pos x="connsiteX8" y="connsiteY8"/>
+              </a:cxn>
+              <a:cxn ang="0">
+                <a:pos x="connsiteX9" y="connsiteY9"/>
+              </a:cxn>
+              <a:cxn ang="0">
+                <a:pos x="connsiteX10" y="connsiteY10"/>
+              </a:cxn>
+              <a:cxn ang="0">
+                <a:pos x="connsiteX11" y="connsiteY11"/>
+              </a:cxn>
+              <a:cxn ang="0">
+                <a:pos x="connsiteX12" y="connsiteY12"/>
+              </a:cxn>
+              <a:cxn ang="0">
+                <a:pos x="connsiteX13" y="connsiteY13"/>
+              </a:cxn>
+              <a:cxn ang="0">
+                <a:pos x="connsiteX14" y="connsiteY14"/>
+              </a:cxn>
+              <a:cxn ang="0">
+                <a:pos x="connsiteX15" y="connsiteY15"/>
+              </a:cxn>
+              <a:cxn ang="0">
+                <a:pos x="connsiteX16" y="connsiteY16"/>
+              </a:cxn>
+              <a:cxn ang="0">
+                <a:pos x="connsiteX17" y="connsiteY17"/>
+              </a:cxn>
+              <a:cxn ang="0">
+                <a:pos x="connsiteX18" y="connsiteY18"/>
+              </a:cxn>
+              <a:cxn ang="0">
+                <a:pos x="connsiteX19" y="connsiteY19"/>
+              </a:cxn>
+              <a:cxn ang="0">
+                <a:pos x="connsiteX20" y="connsiteY20"/>
+              </a:cxn>
+              <a:cxn ang="0">
+                <a:pos x="connsiteX21" y="connsiteY21"/>
+              </a:cxn>
+              <a:cxn ang="0">
+                <a:pos x="connsiteX22" y="connsiteY22"/>
+              </a:cxn>
+              <a:cxn ang="0">
+                <a:pos x="connsiteX23" y="connsiteY23"/>
+              </a:cxn>
+              <a:cxn ang="0">
+                <a:pos x="connsiteX24" y="connsiteY24"/>
+              </a:cxn>
+              <a:cxn ang="0">
+                <a:pos x="connsiteX25" y="connsiteY25"/>
+              </a:cxn>
+              <a:cxn ang="0">
+                <a:pos x="connsiteX26" y="connsiteY26"/>
+              </a:cxn>
+              <a:cxn ang="0">
+                <a:pos x="connsiteX27" y="connsiteY27"/>
+              </a:cxn>
+              <a:cxn ang="0">
+                <a:pos x="connsiteX28" y="connsiteY28"/>
+              </a:cxn>
+              <a:cxn ang="0">
+                <a:pos x="connsiteX29" y="connsiteY29"/>
+              </a:cxn>
+              <a:cxn ang="0">
+                <a:pos x="connsiteX30" y="connsiteY30"/>
+              </a:cxn>
+              <a:cxn ang="0">
+                <a:pos x="connsiteX31" y="connsiteY31"/>
+              </a:cxn>
+              <a:cxn ang="0">
+                <a:pos x="connsiteX32" y="connsiteY32"/>
+              </a:cxn>
+              <a:cxn ang="0">
+                <a:pos x="connsiteX33" y="connsiteY33"/>
+              </a:cxn>
+              <a:cxn ang="0">
+                <a:pos x="connsiteX34" y="connsiteY34"/>
+              </a:cxn>
+              <a:cxn ang="0">
+                <a:pos x="connsiteX35" y="connsiteY35"/>
+              </a:cxn>
+              <a:cxn ang="0">
+                <a:pos x="connsiteX36" y="connsiteY36"/>
+              </a:cxn>
+              <a:cxn ang="0">
+                <a:pos x="connsiteX37" y="connsiteY37"/>
+              </a:cxn>
+              <a:cxn ang="0">
+                <a:pos x="connsiteX38" y="connsiteY38"/>
+              </a:cxn>
+              <a:cxn ang="0">
+                <a:pos x="connsiteX39" y="connsiteY39"/>
+              </a:cxn>
+              <a:cxn ang="0">
+                <a:pos x="connsiteX40" y="connsiteY40"/>
+              </a:cxn>
+              <a:cxn ang="0">
+                <a:pos x="connsiteX41" y="connsiteY41"/>
+              </a:cxn>
+              <a:cxn ang="0">
+                <a:pos x="connsiteX42" y="connsiteY42"/>
+              </a:cxn>
+              <a:cxn ang="0">
+                <a:pos x="connsiteX43" y="connsiteY43"/>
+              </a:cxn>
+              <a:cxn ang="0">
+                <a:pos x="connsiteX44" y="connsiteY44"/>
+              </a:cxn>
+              <a:cxn ang="0">
+                <a:pos x="connsiteX45" y="connsiteY45"/>
+              </a:cxn>
+              <a:cxn ang="0">
+                <a:pos x="connsiteX46" y="connsiteY46"/>
+              </a:cxn>
+              <a:cxn ang="0">
+                <a:pos x="connsiteX47" y="connsiteY47"/>
+              </a:cxn>
+              <a:cxn ang="0">
+                <a:pos x="connsiteX48" y="connsiteY48"/>
+              </a:cxn>
+              <a:cxn ang="0">
+                <a:pos x="connsiteX49" y="connsiteY49"/>
+              </a:cxn>
+            </a:cxnLst>
+            <a:rect l="l" t="t" r="r" b="b"/>
+            <a:pathLst>
+              <a:path w="2029692" h="2714625">
+                <a:moveTo>
+                  <a:pt x="1620117" y="0"/>
+                </a:moveTo>
+                <a:cubicBezTo>
+                  <a:pt x="1547092" y="3175"/>
+                  <a:pt x="1473548" y="269"/>
+                  <a:pt x="1401042" y="9525"/>
+                </a:cubicBezTo>
+                <a:cubicBezTo>
+                  <a:pt x="1310440" y="21091"/>
+                  <a:pt x="1074178" y="77013"/>
+                  <a:pt x="981942" y="114300"/>
+                </a:cubicBezTo>
+                <a:cubicBezTo>
+                  <a:pt x="893733" y="149959"/>
+                  <a:pt x="724767" y="238125"/>
+                  <a:pt x="724767" y="238125"/>
+                </a:cubicBezTo>
+                <a:cubicBezTo>
+                  <a:pt x="336792" y="611731"/>
+                  <a:pt x="582419" y="338121"/>
+                  <a:pt x="324717" y="704850"/>
+                </a:cubicBezTo>
+                <a:cubicBezTo>
+                  <a:pt x="292216" y="751102"/>
+                  <a:pt x="246743" y="788428"/>
+                  <a:pt x="219942" y="838200"/>
+                </a:cubicBezTo>
+                <a:cubicBezTo>
+                  <a:pt x="154141" y="960403"/>
+                  <a:pt x="56000" y="1288645"/>
+                  <a:pt x="19917" y="1400175"/>
+                </a:cubicBezTo>
+                <a:cubicBezTo>
+                  <a:pt x="13567" y="1530350"/>
+                  <a:pt x="-4094" y="1660465"/>
+                  <a:pt x="867" y="1790700"/>
+                </a:cubicBezTo>
+                <a:cubicBezTo>
+                  <a:pt x="8636" y="1994643"/>
+                  <a:pt x="26334" y="2198683"/>
+                  <a:pt x="58017" y="2400300"/>
+                </a:cubicBezTo>
+                <a:cubicBezTo>
+                  <a:pt x="61867" y="2424797"/>
+                  <a:pt x="86278" y="2441959"/>
+                  <a:pt x="105642" y="2457450"/>
+                </a:cubicBezTo>
+                <a:cubicBezTo>
+                  <a:pt x="118993" y="2468131"/>
+                  <a:pt x="137643" y="2469556"/>
+                  <a:pt x="153267" y="2476500"/>
+                </a:cubicBezTo>
+                <a:cubicBezTo>
+                  <a:pt x="166242" y="2482267"/>
+                  <a:pt x="179326" y="2488025"/>
+                  <a:pt x="191367" y="2495550"/>
+                </a:cubicBezTo>
+                <a:cubicBezTo>
+                  <a:pt x="204829" y="2503964"/>
+                  <a:pt x="214923" y="2517762"/>
+                  <a:pt x="229467" y="2524125"/>
+                </a:cubicBezTo>
+                <a:cubicBezTo>
+                  <a:pt x="266261" y="2540222"/>
+                  <a:pt x="305861" y="2548958"/>
+                  <a:pt x="343767" y="2562225"/>
+                </a:cubicBezTo>
+                <a:cubicBezTo>
+                  <a:pt x="369371" y="2571186"/>
+                  <a:pt x="394473" y="2581529"/>
+                  <a:pt x="419967" y="2590800"/>
+                </a:cubicBezTo>
+                <a:cubicBezTo>
+                  <a:pt x="429403" y="2594231"/>
+                  <a:pt x="439106" y="2596894"/>
+                  <a:pt x="448542" y="2600325"/>
+                </a:cubicBezTo>
+                <a:cubicBezTo>
+                  <a:pt x="474036" y="2609596"/>
+                  <a:pt x="499342" y="2619375"/>
+                  <a:pt x="524742" y="2628900"/>
+                </a:cubicBezTo>
+                <a:cubicBezTo>
+                  <a:pt x="543792" y="2644775"/>
+                  <a:pt x="559377" y="2666133"/>
+                  <a:pt x="581892" y="2676525"/>
+                </a:cubicBezTo>
+                <a:cubicBezTo>
+                  <a:pt x="602276" y="2685933"/>
+                  <a:pt x="626598" y="2681425"/>
+                  <a:pt x="648567" y="2686050"/>
+                </a:cubicBezTo>
+                <a:cubicBezTo>
+                  <a:pt x="686997" y="2694141"/>
+                  <a:pt x="724767" y="2705100"/>
+                  <a:pt x="762867" y="2714625"/>
+                </a:cubicBezTo>
+                <a:cubicBezTo>
+                  <a:pt x="845417" y="2701925"/>
+                  <a:pt x="929627" y="2697325"/>
+                  <a:pt x="1010517" y="2676525"/>
+                </a:cubicBezTo>
+                <a:cubicBezTo>
+                  <a:pt x="1145123" y="2641912"/>
+                  <a:pt x="1049571" y="2620898"/>
+                  <a:pt x="1172442" y="2571750"/>
+                </a:cubicBezTo>
+                <a:lnTo>
+                  <a:pt x="1220067" y="2552700"/>
+                </a:lnTo>
+                <a:cubicBezTo>
+                  <a:pt x="1239117" y="2536825"/>
+                  <a:pt x="1259682" y="2522610"/>
+                  <a:pt x="1277217" y="2505075"/>
+                </a:cubicBezTo>
+                <a:cubicBezTo>
+                  <a:pt x="1291592" y="2490700"/>
+                  <a:pt x="1300122" y="2470956"/>
+                  <a:pt x="1315317" y="2457450"/>
+                </a:cubicBezTo>
+                <a:cubicBezTo>
+                  <a:pt x="1329154" y="2445150"/>
+                  <a:pt x="1347067" y="2438400"/>
+                  <a:pt x="1362942" y="2428875"/>
+                </a:cubicBezTo>
+                <a:cubicBezTo>
+                  <a:pt x="1388342" y="2393950"/>
+                  <a:pt x="1421603" y="2363563"/>
+                  <a:pt x="1439142" y="2324100"/>
+                </a:cubicBezTo>
+                <a:cubicBezTo>
+                  <a:pt x="1464542" y="2266950"/>
+                  <a:pt x="1487373" y="2208588"/>
+                  <a:pt x="1515342" y="2152650"/>
+                </a:cubicBezTo>
+                <a:cubicBezTo>
+                  <a:pt x="1528042" y="2127250"/>
+                  <a:pt x="1541350" y="2102145"/>
+                  <a:pt x="1553442" y="2076450"/>
+                </a:cubicBezTo>
+                <a:cubicBezTo>
+                  <a:pt x="1566757" y="2048156"/>
+                  <a:pt x="1577558" y="2018694"/>
+                  <a:pt x="1591542" y="1990725"/>
+                </a:cubicBezTo>
+                <a:cubicBezTo>
+                  <a:pt x="1632739" y="1908331"/>
+                  <a:pt x="1611466" y="1974908"/>
+                  <a:pt x="1667742" y="1876425"/>
+                </a:cubicBezTo>
+                <a:cubicBezTo>
+                  <a:pt x="1679739" y="1855431"/>
+                  <a:pt x="1686021" y="1831629"/>
+                  <a:pt x="1696317" y="1809750"/>
+                </a:cubicBezTo>
+                <a:cubicBezTo>
+                  <a:pt x="1705180" y="1790915"/>
+                  <a:pt x="1763728" y="1680343"/>
+                  <a:pt x="1772517" y="1647825"/>
+                </a:cubicBezTo>
+                <a:cubicBezTo>
+                  <a:pt x="1857381" y="1333829"/>
+                  <a:pt x="1767947" y="1433320"/>
+                  <a:pt x="1867767" y="1333500"/>
+                </a:cubicBezTo>
+                <a:cubicBezTo>
+                  <a:pt x="1874117" y="1317625"/>
+                  <a:pt x="1881410" y="1302095"/>
+                  <a:pt x="1886817" y="1285875"/>
+                </a:cubicBezTo>
+                <a:cubicBezTo>
+                  <a:pt x="1894126" y="1263947"/>
+                  <a:pt x="1899785" y="1241500"/>
+                  <a:pt x="1905867" y="1219200"/>
+                </a:cubicBezTo>
+                <a:cubicBezTo>
+                  <a:pt x="1909311" y="1206570"/>
+                  <a:pt x="1910235" y="1193132"/>
+                  <a:pt x="1915392" y="1181100"/>
+                </a:cubicBezTo>
+                <a:cubicBezTo>
+                  <a:pt x="1919901" y="1170578"/>
+                  <a:pt x="1928092" y="1162050"/>
+                  <a:pt x="1934442" y="1152525"/>
+                </a:cubicBezTo>
+                <a:cubicBezTo>
+                  <a:pt x="1956510" y="1042187"/>
+                  <a:pt x="1925939" y="1178034"/>
+                  <a:pt x="1972542" y="1038225"/>
+                </a:cubicBezTo>
+                <a:cubicBezTo>
+                  <a:pt x="2000005" y="955835"/>
+                  <a:pt x="1961990" y="1020716"/>
+                  <a:pt x="2001117" y="962025"/>
+                </a:cubicBezTo>
+                <a:cubicBezTo>
+                  <a:pt x="2005647" y="894075"/>
+                  <a:pt x="2010651" y="795272"/>
+                  <a:pt x="2020167" y="723900"/>
+                </a:cubicBezTo>
+                <a:cubicBezTo>
+                  <a:pt x="2022307" y="707853"/>
+                  <a:pt x="2026517" y="692150"/>
+                  <a:pt x="2029692" y="676275"/>
+                </a:cubicBezTo>
+                <a:cubicBezTo>
+                  <a:pt x="2020167" y="593725"/>
+                  <a:pt x="2013565" y="510785"/>
+                  <a:pt x="2001117" y="428625"/>
+                </a:cubicBezTo>
+                <a:cubicBezTo>
+                  <a:pt x="1997654" y="405771"/>
+                  <a:pt x="1992944" y="382345"/>
+                  <a:pt x="1982067" y="361950"/>
+                </a:cubicBezTo>
+                <a:cubicBezTo>
+                  <a:pt x="1966845" y="333409"/>
+                  <a:pt x="1900876" y="257424"/>
+                  <a:pt x="1877292" y="228600"/>
+                </a:cubicBezTo>
+                <a:cubicBezTo>
+                  <a:pt x="1745510" y="67533"/>
+                  <a:pt x="1970788" y="331621"/>
+                  <a:pt x="1762992" y="123825"/>
+                </a:cubicBezTo>
+                <a:cubicBezTo>
+                  <a:pt x="1753467" y="114300"/>
+                  <a:pt x="1746192" y="101792"/>
+                  <a:pt x="1734417" y="95250"/>
+                </a:cubicBezTo>
+                <a:cubicBezTo>
+                  <a:pt x="1716864" y="85498"/>
+                  <a:pt x="1677267" y="76200"/>
+                  <a:pt x="1677267" y="76200"/>
+                </a:cubicBezTo>
+                <a:cubicBezTo>
+                  <a:pt x="1585139" y="7104"/>
+                  <a:pt x="1683318" y="74463"/>
+                  <a:pt x="1610592" y="38100"/>
+                </a:cubicBezTo>
+                <a:cubicBezTo>
+                  <a:pt x="1565447" y="15528"/>
+                  <a:pt x="1599725" y="19050"/>
+                  <a:pt x="1562967" y="19050"/>
+                </a:cubicBezTo>
+              </a:path>
+            </a:pathLst>
+          </a:custGeom>
+          <a:ln>
+            <a:prstDash val="sysDash"/>
+          </a:ln>
+        </p:spPr>
+        <p:style>
+          <a:lnRef idx="1">
+            <a:schemeClr val="dk1"/>
+          </a:lnRef>
+          <a:fillRef idx="0">
+            <a:schemeClr val="dk1"/>
+          </a:fillRef>
+          <a:effectRef idx="0">
+            <a:schemeClr val="dk1"/>
+          </a:effectRef>
+          <a:fontRef idx="minor">
+            <a:schemeClr val="tx1"/>
+          </a:fontRef>
+        </p:style>
+        <p:txBody>
+          <a:bodyPr rtlCol="0" anchor="ctr"/>
+          <a:lstStyle/>
+          <a:p>
+            <a:pPr algn="ctr"/>
+            <a:endParaRPr lang="ko-KR" altLang="en-US"/>
+          </a:p>
+        </p:txBody>
+      </p:sp>
+      <p:sp>
+        <p:nvSpPr>
+          <p:cNvPr id="10" name="자유형: 도형 9">
+            <a:extLst>
+              <a:ext uri="{FF2B5EF4-FFF2-40B4-BE49-F238E27FC236}">
+                <a16:creationId xmlns:a16="http://schemas.microsoft.com/office/drawing/2014/main" id="{7F7B6E8D-C466-47B2-A29D-2F649F72D4A0}"/>
+              </a:ext>
+            </a:extLst>
+          </p:cNvPr>
+          <p:cNvSpPr/>
+          <p:nvPr/>
+        </p:nvSpPr>
+        <p:spPr>
+          <a:xfrm>
+            <a:off x="5917713" y="1628775"/>
+            <a:ext cx="5560737" cy="4914900"/>
+          </a:xfrm>
+          <a:custGeom>
+            <a:avLst/>
+            <a:gdLst>
+              <a:gd name="connsiteX0" fmla="*/ 2197587 w 5560737"/>
+              <a:gd name="connsiteY0" fmla="*/ 9525 h 4914900"/>
+              <a:gd name="connsiteX1" fmla="*/ 1835637 w 5560737"/>
+              <a:gd name="connsiteY1" fmla="*/ 47625 h 4914900"/>
+              <a:gd name="connsiteX2" fmla="*/ 1435587 w 5560737"/>
+              <a:gd name="connsiteY2" fmla="*/ 171450 h 4914900"/>
+              <a:gd name="connsiteX3" fmla="*/ 1026012 w 5560737"/>
+              <a:gd name="connsiteY3" fmla="*/ 438150 h 4914900"/>
+              <a:gd name="connsiteX4" fmla="*/ 921237 w 5560737"/>
+              <a:gd name="connsiteY4" fmla="*/ 504825 h 4914900"/>
+              <a:gd name="connsiteX5" fmla="*/ 654537 w 5560737"/>
+              <a:gd name="connsiteY5" fmla="*/ 733425 h 4914900"/>
+              <a:gd name="connsiteX6" fmla="*/ 540237 w 5560737"/>
+              <a:gd name="connsiteY6" fmla="*/ 876300 h 4914900"/>
+              <a:gd name="connsiteX7" fmla="*/ 425937 w 5560737"/>
+              <a:gd name="connsiteY7" fmla="*/ 1009650 h 4914900"/>
+              <a:gd name="connsiteX8" fmla="*/ 254487 w 5560737"/>
+              <a:gd name="connsiteY8" fmla="*/ 1362075 h 4914900"/>
+              <a:gd name="connsiteX9" fmla="*/ 121137 w 5560737"/>
+              <a:gd name="connsiteY9" fmla="*/ 1666875 h 4914900"/>
+              <a:gd name="connsiteX10" fmla="*/ 44937 w 5560737"/>
+              <a:gd name="connsiteY10" fmla="*/ 1876425 h 4914900"/>
+              <a:gd name="connsiteX11" fmla="*/ 16362 w 5560737"/>
+              <a:gd name="connsiteY11" fmla="*/ 2000250 h 4914900"/>
+              <a:gd name="connsiteX12" fmla="*/ 16362 w 5560737"/>
+              <a:gd name="connsiteY12" fmla="*/ 2466975 h 4914900"/>
+              <a:gd name="connsiteX13" fmla="*/ 102087 w 5560737"/>
+              <a:gd name="connsiteY13" fmla="*/ 2790825 h 4914900"/>
+              <a:gd name="connsiteX14" fmla="*/ 206862 w 5560737"/>
+              <a:gd name="connsiteY14" fmla="*/ 3162300 h 4914900"/>
+              <a:gd name="connsiteX15" fmla="*/ 559287 w 5560737"/>
+              <a:gd name="connsiteY15" fmla="*/ 3819525 h 4914900"/>
+              <a:gd name="connsiteX16" fmla="*/ 711687 w 5560737"/>
+              <a:gd name="connsiteY16" fmla="*/ 3990975 h 4914900"/>
+              <a:gd name="connsiteX17" fmla="*/ 1721337 w 5560737"/>
+              <a:gd name="connsiteY17" fmla="*/ 4638675 h 4914900"/>
+              <a:gd name="connsiteX18" fmla="*/ 1902312 w 5560737"/>
+              <a:gd name="connsiteY18" fmla="*/ 4714875 h 4914900"/>
+              <a:gd name="connsiteX19" fmla="*/ 2149962 w 5560737"/>
+              <a:gd name="connsiteY19" fmla="*/ 4762500 h 4914900"/>
+              <a:gd name="connsiteX20" fmla="*/ 2445237 w 5560737"/>
+              <a:gd name="connsiteY20" fmla="*/ 4848225 h 4914900"/>
+              <a:gd name="connsiteX21" fmla="*/ 3273912 w 5560737"/>
+              <a:gd name="connsiteY21" fmla="*/ 4895850 h 4914900"/>
+              <a:gd name="connsiteX22" fmla="*/ 3616812 w 5560737"/>
+              <a:gd name="connsiteY22" fmla="*/ 4914900 h 4914900"/>
+              <a:gd name="connsiteX23" fmla="*/ 4321662 w 5560737"/>
+              <a:gd name="connsiteY23" fmla="*/ 4886325 h 4914900"/>
+              <a:gd name="connsiteX24" fmla="*/ 4712187 w 5560737"/>
+              <a:gd name="connsiteY24" fmla="*/ 4743450 h 4914900"/>
+              <a:gd name="connsiteX25" fmla="*/ 5217012 w 5560737"/>
+              <a:gd name="connsiteY25" fmla="*/ 4410075 h 4914900"/>
+              <a:gd name="connsiteX26" fmla="*/ 5388462 w 5560737"/>
+              <a:gd name="connsiteY26" fmla="*/ 4152900 h 4914900"/>
+              <a:gd name="connsiteX27" fmla="*/ 5474187 w 5560737"/>
+              <a:gd name="connsiteY27" fmla="*/ 3933825 h 4914900"/>
+              <a:gd name="connsiteX28" fmla="*/ 5559912 w 5560737"/>
+              <a:gd name="connsiteY28" fmla="*/ 3248025 h 4914900"/>
+              <a:gd name="connsiteX29" fmla="*/ 5464662 w 5560737"/>
+              <a:gd name="connsiteY29" fmla="*/ 2286000 h 4914900"/>
+              <a:gd name="connsiteX30" fmla="*/ 5236062 w 5560737"/>
+              <a:gd name="connsiteY30" fmla="*/ 1638300 h 4914900"/>
+              <a:gd name="connsiteX31" fmla="*/ 4836012 w 5560737"/>
+              <a:gd name="connsiteY31" fmla="*/ 971550 h 4914900"/>
+              <a:gd name="connsiteX32" fmla="*/ 4521687 w 5560737"/>
+              <a:gd name="connsiteY32" fmla="*/ 609600 h 4914900"/>
+              <a:gd name="connsiteX33" fmla="*/ 4416912 w 5560737"/>
+              <a:gd name="connsiteY33" fmla="*/ 504825 h 4914900"/>
+              <a:gd name="connsiteX34" fmla="*/ 4274037 w 5560737"/>
+              <a:gd name="connsiteY34" fmla="*/ 409575 h 4914900"/>
+              <a:gd name="connsiteX35" fmla="*/ 3950187 w 5560737"/>
+              <a:gd name="connsiteY35" fmla="*/ 219075 h 4914900"/>
+              <a:gd name="connsiteX36" fmla="*/ 3635862 w 5560737"/>
+              <a:gd name="connsiteY36" fmla="*/ 114300 h 4914900"/>
+              <a:gd name="connsiteX37" fmla="*/ 3512037 w 5560737"/>
+              <a:gd name="connsiteY37" fmla="*/ 85725 h 4914900"/>
+              <a:gd name="connsiteX38" fmla="*/ 3273912 w 5560737"/>
+              <a:gd name="connsiteY38" fmla="*/ 19050 h 4914900"/>
+              <a:gd name="connsiteX39" fmla="*/ 3178662 w 5560737"/>
+              <a:gd name="connsiteY39" fmla="*/ 0 h 4914900"/>
+              <a:gd name="connsiteX40" fmla="*/ 2197587 w 5560737"/>
+              <a:gd name="connsiteY40" fmla="*/ 9525 h 4914900"/>
+            </a:gdLst>
+            <a:ahLst/>
+            <a:cxnLst>
+              <a:cxn ang="0">
+                <a:pos x="connsiteX0" y="connsiteY0"/>
+              </a:cxn>
+              <a:cxn ang="0">
+                <a:pos x="connsiteX1" y="connsiteY1"/>
+              </a:cxn>
+              <a:cxn ang="0">
+                <a:pos x="connsiteX2" y="connsiteY2"/>
+              </a:cxn>
+              <a:cxn ang="0">
+                <a:pos x="connsiteX3" y="connsiteY3"/>
+              </a:cxn>
+              <a:cxn ang="0">
+                <a:pos x="connsiteX4" y="connsiteY4"/>
+              </a:cxn>
+              <a:cxn ang="0">
+                <a:pos x="connsiteX5" y="connsiteY5"/>
+              </a:cxn>
+              <a:cxn ang="0">
+                <a:pos x="connsiteX6" y="connsiteY6"/>
+              </a:cxn>
+              <a:cxn ang="0">
+                <a:pos x="connsiteX7" y="connsiteY7"/>
+              </a:cxn>
+              <a:cxn ang="0">
+                <a:pos x="connsiteX8" y="connsiteY8"/>
+              </a:cxn>
+              <a:cxn ang="0">
+                <a:pos x="connsiteX9" y="connsiteY9"/>
+              </a:cxn>
+              <a:cxn ang="0">
+                <a:pos x="connsiteX10" y="connsiteY10"/>
+              </a:cxn>
+              <a:cxn ang="0">
+                <a:pos x="connsiteX11" y="connsiteY11"/>
+              </a:cxn>
+              <a:cxn ang="0">
+                <a:pos x="connsiteX12" y="connsiteY12"/>
+              </a:cxn>
+              <a:cxn ang="0">
+                <a:pos x="connsiteX13" y="connsiteY13"/>
+              </a:cxn>
+              <a:cxn ang="0">
+                <a:pos x="connsiteX14" y="connsiteY14"/>
+              </a:cxn>
+              <a:cxn ang="0">
+                <a:pos x="connsiteX15" y="connsiteY15"/>
+              </a:cxn>
+              <a:cxn ang="0">
+                <a:pos x="connsiteX16" y="connsiteY16"/>
+              </a:cxn>
+              <a:cxn ang="0">
+                <a:pos x="connsiteX17" y="connsiteY17"/>
+              </a:cxn>
+              <a:cxn ang="0">
+                <a:pos x="connsiteX18" y="connsiteY18"/>
+              </a:cxn>
+              <a:cxn ang="0">
+                <a:pos x="connsiteX19" y="connsiteY19"/>
+              </a:cxn>
+              <a:cxn ang="0">
+                <a:pos x="connsiteX20" y="connsiteY20"/>
+              </a:cxn>
+              <a:cxn ang="0">
+                <a:pos x="connsiteX21" y="connsiteY21"/>
+              </a:cxn>
+              <a:cxn ang="0">
+                <a:pos x="connsiteX22" y="connsiteY22"/>
+              </a:cxn>
+              <a:cxn ang="0">
+                <a:pos x="connsiteX23" y="connsiteY23"/>
+              </a:cxn>
+              <a:cxn ang="0">
+                <a:pos x="connsiteX24" y="connsiteY24"/>
+              </a:cxn>
+              <a:cxn ang="0">
+                <a:pos x="connsiteX25" y="connsiteY25"/>
+              </a:cxn>
+              <a:cxn ang="0">
+                <a:pos x="connsiteX26" y="connsiteY26"/>
+              </a:cxn>
+              <a:cxn ang="0">
+                <a:pos x="connsiteX27" y="connsiteY27"/>
+              </a:cxn>
+              <a:cxn ang="0">
+                <a:pos x="connsiteX28" y="connsiteY28"/>
+              </a:cxn>
+              <a:cxn ang="0">
+                <a:pos x="connsiteX29" y="connsiteY29"/>
+              </a:cxn>
+              <a:cxn ang="0">
+                <a:pos x="connsiteX30" y="connsiteY30"/>
+              </a:cxn>
+              <a:cxn ang="0">
+                <a:pos x="connsiteX31" y="connsiteY31"/>
+              </a:cxn>
+              <a:cxn ang="0">
+                <a:pos x="connsiteX32" y="connsiteY32"/>
+              </a:cxn>
+              <a:cxn ang="0">
+                <a:pos x="connsiteX33" y="connsiteY33"/>
+              </a:cxn>
+              <a:cxn ang="0">
+                <a:pos x="connsiteX34" y="connsiteY34"/>
+              </a:cxn>
+              <a:cxn ang="0">
+                <a:pos x="connsiteX35" y="connsiteY35"/>
+              </a:cxn>
+              <a:cxn ang="0">
+                <a:pos x="connsiteX36" y="connsiteY36"/>
+              </a:cxn>
+              <a:cxn ang="0">
+                <a:pos x="connsiteX37" y="connsiteY37"/>
+              </a:cxn>
+              <a:cxn ang="0">
+                <a:pos x="connsiteX38" y="connsiteY38"/>
+              </a:cxn>
+              <a:cxn ang="0">
+                <a:pos x="connsiteX39" y="connsiteY39"/>
+              </a:cxn>
+              <a:cxn ang="0">
+                <a:pos x="connsiteX40" y="connsiteY40"/>
+              </a:cxn>
+            </a:cxnLst>
+            <a:rect l="l" t="t" r="r" b="b"/>
+            <a:pathLst>
+              <a:path w="5560737" h="4914900">
+                <a:moveTo>
+                  <a:pt x="2197587" y="9525"/>
+                </a:moveTo>
+                <a:cubicBezTo>
+                  <a:pt x="1973749" y="17463"/>
+                  <a:pt x="1954938" y="25600"/>
+                  <a:pt x="1835637" y="47625"/>
+                </a:cubicBezTo>
+                <a:cubicBezTo>
+                  <a:pt x="1818204" y="50843"/>
+                  <a:pt x="1501647" y="144537"/>
+                  <a:pt x="1435587" y="171450"/>
+                </a:cubicBezTo>
+                <a:cubicBezTo>
+                  <a:pt x="1278135" y="235597"/>
+                  <a:pt x="1172431" y="337051"/>
+                  <a:pt x="1026012" y="438150"/>
+                </a:cubicBezTo>
+                <a:cubicBezTo>
+                  <a:pt x="991947" y="461671"/>
+                  <a:pt x="953563" y="478965"/>
+                  <a:pt x="921237" y="504825"/>
+                </a:cubicBezTo>
+                <a:cubicBezTo>
+                  <a:pt x="845781" y="565190"/>
+                  <a:pt x="706866" y="673621"/>
+                  <a:pt x="654537" y="733425"/>
+                </a:cubicBezTo>
+                <a:cubicBezTo>
+                  <a:pt x="421820" y="999388"/>
+                  <a:pt x="727293" y="645231"/>
+                  <a:pt x="540237" y="876300"/>
+                </a:cubicBezTo>
+                <a:cubicBezTo>
+                  <a:pt x="503401" y="921803"/>
+                  <a:pt x="459104" y="961407"/>
+                  <a:pt x="425937" y="1009650"/>
+                </a:cubicBezTo>
+                <a:cubicBezTo>
+                  <a:pt x="232829" y="1290535"/>
+                  <a:pt x="422206" y="1068567"/>
+                  <a:pt x="254487" y="1362075"/>
+                </a:cubicBezTo>
+                <a:cubicBezTo>
+                  <a:pt x="175307" y="1500640"/>
+                  <a:pt x="221436" y="1412784"/>
+                  <a:pt x="121137" y="1666875"/>
+                </a:cubicBezTo>
+                <a:cubicBezTo>
+                  <a:pt x="102893" y="1713094"/>
+                  <a:pt x="60120" y="1820754"/>
+                  <a:pt x="44937" y="1876425"/>
+                </a:cubicBezTo>
+                <a:cubicBezTo>
+                  <a:pt x="33791" y="1917292"/>
+                  <a:pt x="25887" y="1958975"/>
+                  <a:pt x="16362" y="2000250"/>
+                </a:cubicBezTo>
+                <a:cubicBezTo>
+                  <a:pt x="-1625" y="2180118"/>
+                  <a:pt x="-8978" y="2213574"/>
+                  <a:pt x="16362" y="2466975"/>
+                </a:cubicBezTo>
+                <a:cubicBezTo>
+                  <a:pt x="28115" y="2584505"/>
+                  <a:pt x="72735" y="2679940"/>
+                  <a:pt x="102087" y="2790825"/>
+                </a:cubicBezTo>
+                <a:cubicBezTo>
+                  <a:pt x="137457" y="2924445"/>
+                  <a:pt x="151074" y="3035703"/>
+                  <a:pt x="206862" y="3162300"/>
+                </a:cubicBezTo>
+                <a:cubicBezTo>
+                  <a:pt x="288342" y="3347196"/>
+                  <a:pt x="433220" y="3643795"/>
+                  <a:pt x="559287" y="3819525"/>
+                </a:cubicBezTo>
+                <a:cubicBezTo>
+                  <a:pt x="603859" y="3881655"/>
+                  <a:pt x="653817" y="3940997"/>
+                  <a:pt x="711687" y="3990975"/>
+                </a:cubicBezTo>
+                <a:cubicBezTo>
+                  <a:pt x="1069351" y="4299867"/>
+                  <a:pt x="1284104" y="4454577"/>
+                  <a:pt x="1721337" y="4638675"/>
+                </a:cubicBezTo>
+                <a:cubicBezTo>
+                  <a:pt x="1781662" y="4664075"/>
+                  <a:pt x="1839429" y="4696709"/>
+                  <a:pt x="1902312" y="4714875"/>
+                </a:cubicBezTo>
+                <a:cubicBezTo>
+                  <a:pt x="1983072" y="4738206"/>
+                  <a:pt x="2068522" y="4741666"/>
+                  <a:pt x="2149962" y="4762500"/>
+                </a:cubicBezTo>
+                <a:cubicBezTo>
+                  <a:pt x="2390301" y="4823982"/>
+                  <a:pt x="2227688" y="4816232"/>
+                  <a:pt x="2445237" y="4848225"/>
+                </a:cubicBezTo>
+                <a:cubicBezTo>
+                  <a:pt x="2663453" y="4880316"/>
+                  <a:pt x="3186490" y="4891606"/>
+                  <a:pt x="3273912" y="4895850"/>
+                </a:cubicBezTo>
+                <a:lnTo>
+                  <a:pt x="3616812" y="4914900"/>
+                </a:lnTo>
+                <a:cubicBezTo>
+                  <a:pt x="3851762" y="4905375"/>
+                  <a:pt x="4087064" y="4902320"/>
+                  <a:pt x="4321662" y="4886325"/>
+                </a:cubicBezTo>
+                <a:cubicBezTo>
+                  <a:pt x="4443646" y="4878008"/>
+                  <a:pt x="4626218" y="4793845"/>
+                  <a:pt x="4712187" y="4743450"/>
+                </a:cubicBezTo>
+                <a:cubicBezTo>
+                  <a:pt x="4799493" y="4692271"/>
+                  <a:pt x="5144963" y="4503739"/>
+                  <a:pt x="5217012" y="4410075"/>
+                </a:cubicBezTo>
+                <a:cubicBezTo>
+                  <a:pt x="5292976" y="4311322"/>
+                  <a:pt x="5336074" y="4266920"/>
+                  <a:pt x="5388462" y="4152900"/>
+                </a:cubicBezTo>
+                <a:cubicBezTo>
+                  <a:pt x="5421201" y="4081645"/>
+                  <a:pt x="5445612" y="4006850"/>
+                  <a:pt x="5474187" y="3933825"/>
+                </a:cubicBezTo>
+                <a:cubicBezTo>
+                  <a:pt x="5502547" y="3763666"/>
+                  <a:pt x="5568875" y="3423437"/>
+                  <a:pt x="5559912" y="3248025"/>
+                </a:cubicBezTo>
+                <a:cubicBezTo>
+                  <a:pt x="5543468" y="2926202"/>
+                  <a:pt x="5528218" y="2601913"/>
+                  <a:pt x="5464662" y="2286000"/>
+                </a:cubicBezTo>
+                <a:cubicBezTo>
+                  <a:pt x="5419505" y="2061545"/>
+                  <a:pt x="5342298" y="1841113"/>
+                  <a:pt x="5236062" y="1638300"/>
+                </a:cubicBezTo>
+                <a:cubicBezTo>
+                  <a:pt x="5065100" y="1311919"/>
+                  <a:pt x="5049215" y="1237048"/>
+                  <a:pt x="4836012" y="971550"/>
+                </a:cubicBezTo>
+                <a:cubicBezTo>
+                  <a:pt x="4735959" y="846956"/>
+                  <a:pt x="4634679" y="722592"/>
+                  <a:pt x="4521687" y="609600"/>
+                </a:cubicBezTo>
+                <a:cubicBezTo>
+                  <a:pt x="4486762" y="574675"/>
+                  <a:pt x="4455336" y="535859"/>
+                  <a:pt x="4416912" y="504825"/>
+                </a:cubicBezTo>
+                <a:cubicBezTo>
+                  <a:pt x="4372384" y="468860"/>
+                  <a:pt x="4322853" y="439462"/>
+                  <a:pt x="4274037" y="409575"/>
+                </a:cubicBezTo>
+                <a:cubicBezTo>
+                  <a:pt x="4167225" y="344180"/>
+                  <a:pt x="4067454" y="263050"/>
+                  <a:pt x="3950187" y="219075"/>
+                </a:cubicBezTo>
+                <a:cubicBezTo>
+                  <a:pt x="3797394" y="161778"/>
+                  <a:pt x="3795617" y="156901"/>
+                  <a:pt x="3635862" y="114300"/>
+                </a:cubicBezTo>
+                <a:cubicBezTo>
+                  <a:pt x="3594932" y="103385"/>
+                  <a:pt x="3552940" y="96737"/>
+                  <a:pt x="3512037" y="85725"/>
+                </a:cubicBezTo>
+                <a:cubicBezTo>
+                  <a:pt x="3295796" y="27506"/>
+                  <a:pt x="3480016" y="65892"/>
+                  <a:pt x="3273912" y="19050"/>
+                </a:cubicBezTo>
+                <a:cubicBezTo>
+                  <a:pt x="3242338" y="11874"/>
+                  <a:pt x="3211036" y="549"/>
+                  <a:pt x="3178662" y="0"/>
+                </a:cubicBezTo>
+                <a:lnTo>
+                  <a:pt x="2197587" y="9525"/>
+                </a:lnTo>
+                <a:close/>
+              </a:path>
+            </a:pathLst>
+          </a:custGeom>
+          <a:noFill/>
+          <a:ln>
+            <a:solidFill>
+              <a:schemeClr val="tx1"/>
+            </a:solidFill>
+            <a:prstDash val="sysDash"/>
+          </a:ln>
+        </p:spPr>
+        <p:style>
+          <a:lnRef idx="2">
+            <a:schemeClr val="accent1">
+              <a:shade val="50000"/>
+            </a:schemeClr>
+          </a:lnRef>
+          <a:fillRef idx="1">
+            <a:schemeClr val="accent1"/>
+          </a:fillRef>
+          <a:effectRef idx="0">
+            <a:schemeClr val="accent1"/>
+          </a:effectRef>
+          <a:fontRef idx="minor">
+            <a:schemeClr val="lt1"/>
+          </a:fontRef>
+        </p:style>
+        <p:txBody>
+          <a:bodyPr rtlCol="0" anchor="ctr"/>
+          <a:lstStyle/>
+          <a:p>
+            <a:pPr algn="ctr"/>
+            <a:endParaRPr lang="ko-KR" altLang="en-US"/>
+          </a:p>
+        </p:txBody>
+      </p:sp>
+      <p:sp>
+        <p:nvSpPr>
+          <p:cNvPr id="12" name="자유형: 도형 11">
+            <a:extLst>
+              <a:ext uri="{FF2B5EF4-FFF2-40B4-BE49-F238E27FC236}">
+                <a16:creationId xmlns:a16="http://schemas.microsoft.com/office/drawing/2014/main" id="{EDB1B3C5-5E8C-49C7-AE85-2D5A23E2D4A1}"/>
+              </a:ext>
+            </a:extLst>
+          </p:cNvPr>
+          <p:cNvSpPr/>
+          <p:nvPr/>
+        </p:nvSpPr>
+        <p:spPr>
+          <a:xfrm>
+            <a:off x="7361533" y="3418568"/>
+            <a:ext cx="3785633" cy="2966698"/>
+          </a:xfrm>
+          <a:custGeom>
+            <a:avLst/>
+            <a:gdLst>
+              <a:gd name="connsiteX0" fmla="*/ 1858667 w 3785633"/>
+              <a:gd name="connsiteY0" fmla="*/ 907 h 2966698"/>
+              <a:gd name="connsiteX1" fmla="*/ 972842 w 3785633"/>
+              <a:gd name="connsiteY1" fmla="*/ 67582 h 2966698"/>
+              <a:gd name="connsiteX2" fmla="*/ 610892 w 3785633"/>
+              <a:gd name="connsiteY2" fmla="*/ 305707 h 2966698"/>
+              <a:gd name="connsiteX3" fmla="*/ 391817 w 3785633"/>
+              <a:gd name="connsiteY3" fmla="*/ 620032 h 2966698"/>
+              <a:gd name="connsiteX4" fmla="*/ 191792 w 3785633"/>
+              <a:gd name="connsiteY4" fmla="*/ 953407 h 2966698"/>
+              <a:gd name="connsiteX5" fmla="*/ 87017 w 3785633"/>
+              <a:gd name="connsiteY5" fmla="*/ 1315357 h 2966698"/>
+              <a:gd name="connsiteX6" fmla="*/ 20342 w 3785633"/>
+              <a:gd name="connsiteY6" fmla="*/ 1505857 h 2966698"/>
+              <a:gd name="connsiteX7" fmla="*/ 20342 w 3785633"/>
+              <a:gd name="connsiteY7" fmla="*/ 1905907 h 2966698"/>
+              <a:gd name="connsiteX8" fmla="*/ 144167 w 3785633"/>
+              <a:gd name="connsiteY8" fmla="*/ 2363107 h 2966698"/>
+              <a:gd name="connsiteX9" fmla="*/ 182267 w 3785633"/>
+              <a:gd name="connsiteY9" fmla="*/ 2410732 h 2966698"/>
+              <a:gd name="connsiteX10" fmla="*/ 325142 w 3785633"/>
+              <a:gd name="connsiteY10" fmla="*/ 2610757 h 2966698"/>
+              <a:gd name="connsiteX11" fmla="*/ 410867 w 3785633"/>
+              <a:gd name="connsiteY11" fmla="*/ 2725057 h 2966698"/>
+              <a:gd name="connsiteX12" fmla="*/ 563267 w 3785633"/>
+              <a:gd name="connsiteY12" fmla="*/ 2763157 h 2966698"/>
+              <a:gd name="connsiteX13" fmla="*/ 763292 w 3785633"/>
+              <a:gd name="connsiteY13" fmla="*/ 2867932 h 2966698"/>
+              <a:gd name="connsiteX14" fmla="*/ 1249067 w 3785633"/>
+              <a:gd name="connsiteY14" fmla="*/ 2906032 h 2966698"/>
+              <a:gd name="connsiteX15" fmla="*/ 2106317 w 3785633"/>
+              <a:gd name="connsiteY15" fmla="*/ 2963182 h 2966698"/>
+              <a:gd name="connsiteX16" fmla="*/ 2954042 w 3785633"/>
+              <a:gd name="connsiteY16" fmla="*/ 2906032 h 2966698"/>
+              <a:gd name="connsiteX17" fmla="*/ 3154067 w 3785633"/>
+              <a:gd name="connsiteY17" fmla="*/ 2801257 h 2966698"/>
+              <a:gd name="connsiteX18" fmla="*/ 3287417 w 3785633"/>
+              <a:gd name="connsiteY18" fmla="*/ 2772682 h 2966698"/>
+              <a:gd name="connsiteX19" fmla="*/ 3420767 w 3785633"/>
+              <a:gd name="connsiteY19" fmla="*/ 2686957 h 2966698"/>
+              <a:gd name="connsiteX20" fmla="*/ 3601742 w 3785633"/>
+              <a:gd name="connsiteY20" fmla="*/ 2496457 h 2966698"/>
+              <a:gd name="connsiteX21" fmla="*/ 3744617 w 3785633"/>
+              <a:gd name="connsiteY21" fmla="*/ 2220232 h 2966698"/>
+              <a:gd name="connsiteX22" fmla="*/ 3763667 w 3785633"/>
+              <a:gd name="connsiteY22" fmla="*/ 1591582 h 2966698"/>
+              <a:gd name="connsiteX23" fmla="*/ 3573167 w 3785633"/>
+              <a:gd name="connsiteY23" fmla="*/ 1115332 h 2966698"/>
+              <a:gd name="connsiteX24" fmla="*/ 3439817 w 3785633"/>
+              <a:gd name="connsiteY24" fmla="*/ 858157 h 2966698"/>
+              <a:gd name="connsiteX25" fmla="*/ 3182642 w 3785633"/>
+              <a:gd name="connsiteY25" fmla="*/ 553357 h 2966698"/>
+              <a:gd name="connsiteX26" fmla="*/ 3030242 w 3785633"/>
+              <a:gd name="connsiteY26" fmla="*/ 429532 h 2966698"/>
+              <a:gd name="connsiteX27" fmla="*/ 2887367 w 3785633"/>
+              <a:gd name="connsiteY27" fmla="*/ 343807 h 2966698"/>
+              <a:gd name="connsiteX28" fmla="*/ 2811167 w 3785633"/>
+              <a:gd name="connsiteY28" fmla="*/ 324757 h 2966698"/>
+              <a:gd name="connsiteX29" fmla="*/ 2725442 w 3785633"/>
+              <a:gd name="connsiteY29" fmla="*/ 296182 h 2966698"/>
+              <a:gd name="connsiteX30" fmla="*/ 2649242 w 3785633"/>
+              <a:gd name="connsiteY30" fmla="*/ 277132 h 2966698"/>
+              <a:gd name="connsiteX31" fmla="*/ 2573042 w 3785633"/>
+              <a:gd name="connsiteY31" fmla="*/ 239032 h 2966698"/>
+              <a:gd name="connsiteX32" fmla="*/ 2525417 w 3785633"/>
+              <a:gd name="connsiteY32" fmla="*/ 219982 h 2966698"/>
+              <a:gd name="connsiteX33" fmla="*/ 2439692 w 3785633"/>
+              <a:gd name="connsiteY33" fmla="*/ 200932 h 2966698"/>
+              <a:gd name="connsiteX34" fmla="*/ 2315867 w 3785633"/>
+              <a:gd name="connsiteY34" fmla="*/ 143782 h 2966698"/>
+              <a:gd name="connsiteX35" fmla="*/ 2277767 w 3785633"/>
+              <a:gd name="connsiteY35" fmla="*/ 124732 h 2966698"/>
+              <a:gd name="connsiteX36" fmla="*/ 2211092 w 3785633"/>
+              <a:gd name="connsiteY36" fmla="*/ 115207 h 2966698"/>
+              <a:gd name="connsiteX37" fmla="*/ 2068217 w 3785633"/>
+              <a:gd name="connsiteY37" fmla="*/ 86632 h 2966698"/>
+              <a:gd name="connsiteX38" fmla="*/ 2020592 w 3785633"/>
+              <a:gd name="connsiteY38" fmla="*/ 77107 h 2966698"/>
+              <a:gd name="connsiteX39" fmla="*/ 1868192 w 3785633"/>
+              <a:gd name="connsiteY39" fmla="*/ 39007 h 2966698"/>
+              <a:gd name="connsiteX40" fmla="*/ 1858667 w 3785633"/>
+              <a:gd name="connsiteY40" fmla="*/ 907 h 2966698"/>
+            </a:gdLst>
+            <a:ahLst/>
+            <a:cxnLst>
+              <a:cxn ang="0">
+                <a:pos x="connsiteX0" y="connsiteY0"/>
+              </a:cxn>
+              <a:cxn ang="0">
+                <a:pos x="connsiteX1" y="connsiteY1"/>
+              </a:cxn>
+              <a:cxn ang="0">
+                <a:pos x="connsiteX2" y="connsiteY2"/>
+              </a:cxn>
+              <a:cxn ang="0">
+                <a:pos x="connsiteX3" y="connsiteY3"/>
+              </a:cxn>
+              <a:cxn ang="0">
+                <a:pos x="connsiteX4" y="connsiteY4"/>
+              </a:cxn>
+              <a:cxn ang="0">
+                <a:pos x="connsiteX5" y="connsiteY5"/>
+              </a:cxn>
+              <a:cxn ang="0">
+                <a:pos x="connsiteX6" y="connsiteY6"/>
+              </a:cxn>
+              <a:cxn ang="0">
+                <a:pos x="connsiteX7" y="connsiteY7"/>
+              </a:cxn>
+              <a:cxn ang="0">
+                <a:pos x="connsiteX8" y="connsiteY8"/>
+              </a:cxn>
+              <a:cxn ang="0">
+                <a:pos x="connsiteX9" y="connsiteY9"/>
+              </a:cxn>
+              <a:cxn ang="0">
+                <a:pos x="connsiteX10" y="connsiteY10"/>
+              </a:cxn>
+              <a:cxn ang="0">
+                <a:pos x="connsiteX11" y="connsiteY11"/>
+              </a:cxn>
+              <a:cxn ang="0">
+                <a:pos x="connsiteX12" y="connsiteY12"/>
+              </a:cxn>
+              <a:cxn ang="0">
+                <a:pos x="connsiteX13" y="connsiteY13"/>
+              </a:cxn>
+              <a:cxn ang="0">
+                <a:pos x="connsiteX14" y="connsiteY14"/>
+              </a:cxn>
+              <a:cxn ang="0">
+                <a:pos x="connsiteX15" y="connsiteY15"/>
+              </a:cxn>
+              <a:cxn ang="0">
+                <a:pos x="connsiteX16" y="connsiteY16"/>
+              </a:cxn>
+              <a:cxn ang="0">
+                <a:pos x="connsiteX17" y="connsiteY17"/>
+              </a:cxn>
+              <a:cxn ang="0">
+                <a:pos x="connsiteX18" y="connsiteY18"/>
+              </a:cxn>
+              <a:cxn ang="0">
+                <a:pos x="connsiteX19" y="connsiteY19"/>
+              </a:cxn>
+              <a:cxn ang="0">
+                <a:pos x="connsiteX20" y="connsiteY20"/>
+              </a:cxn>
+              <a:cxn ang="0">
+                <a:pos x="connsiteX21" y="connsiteY21"/>
+              </a:cxn>
+              <a:cxn ang="0">
+                <a:pos x="connsiteX22" y="connsiteY22"/>
+              </a:cxn>
+              <a:cxn ang="0">
+                <a:pos x="connsiteX23" y="connsiteY23"/>
+              </a:cxn>
+              <a:cxn ang="0">
+                <a:pos x="connsiteX24" y="connsiteY24"/>
+              </a:cxn>
+              <a:cxn ang="0">
+                <a:pos x="connsiteX25" y="connsiteY25"/>
+              </a:cxn>
+              <a:cxn ang="0">
+                <a:pos x="connsiteX26" y="connsiteY26"/>
+              </a:cxn>
+              <a:cxn ang="0">
+                <a:pos x="connsiteX27" y="connsiteY27"/>
+              </a:cxn>
+              <a:cxn ang="0">
+                <a:pos x="connsiteX28" y="connsiteY28"/>
+              </a:cxn>
+              <a:cxn ang="0">
+                <a:pos x="connsiteX29" y="connsiteY29"/>
+              </a:cxn>
+              <a:cxn ang="0">
+                <a:pos x="connsiteX30" y="connsiteY30"/>
+              </a:cxn>
+              <a:cxn ang="0">
+                <a:pos x="connsiteX31" y="connsiteY31"/>
+              </a:cxn>
+              <a:cxn ang="0">
+                <a:pos x="connsiteX32" y="connsiteY32"/>
+              </a:cxn>
+              <a:cxn ang="0">
+                <a:pos x="connsiteX33" y="connsiteY33"/>
+              </a:cxn>
+              <a:cxn ang="0">
+                <a:pos x="connsiteX34" y="connsiteY34"/>
+              </a:cxn>
+              <a:cxn ang="0">
+                <a:pos x="connsiteX35" y="connsiteY35"/>
+              </a:cxn>
+              <a:cxn ang="0">
+                <a:pos x="connsiteX36" y="connsiteY36"/>
+              </a:cxn>
+              <a:cxn ang="0">
+                <a:pos x="connsiteX37" y="connsiteY37"/>
+              </a:cxn>
+              <a:cxn ang="0">
+                <a:pos x="connsiteX38" y="connsiteY38"/>
+              </a:cxn>
+              <a:cxn ang="0">
+                <a:pos x="connsiteX39" y="connsiteY39"/>
+              </a:cxn>
+              <a:cxn ang="0">
+                <a:pos x="connsiteX40" y="connsiteY40"/>
+              </a:cxn>
+            </a:cxnLst>
+            <a:rect l="l" t="t" r="r" b="b"/>
+            <a:pathLst>
+              <a:path w="3785633" h="2966698">
+                <a:moveTo>
+                  <a:pt x="1858667" y="907"/>
+                </a:moveTo>
+                <a:cubicBezTo>
+                  <a:pt x="1709442" y="5670"/>
+                  <a:pt x="1204556" y="-23699"/>
+                  <a:pt x="972842" y="67582"/>
+                </a:cubicBezTo>
+                <a:cubicBezTo>
+                  <a:pt x="869783" y="108181"/>
+                  <a:pt x="677024" y="232060"/>
+                  <a:pt x="610892" y="305707"/>
+                </a:cubicBezTo>
+                <a:cubicBezTo>
+                  <a:pt x="525564" y="400731"/>
+                  <a:pt x="464749" y="515192"/>
+                  <a:pt x="391817" y="620032"/>
+                </a:cubicBezTo>
+                <a:cubicBezTo>
+                  <a:pt x="319364" y="724184"/>
+                  <a:pt x="237316" y="834650"/>
+                  <a:pt x="191792" y="953407"/>
+                </a:cubicBezTo>
+                <a:cubicBezTo>
+                  <a:pt x="146834" y="1070689"/>
+                  <a:pt x="124246" y="1195398"/>
+                  <a:pt x="87017" y="1315357"/>
+                </a:cubicBezTo>
+                <a:cubicBezTo>
+                  <a:pt x="67076" y="1379611"/>
+                  <a:pt x="42567" y="1442357"/>
+                  <a:pt x="20342" y="1505857"/>
+                </a:cubicBezTo>
+                <a:cubicBezTo>
+                  <a:pt x="-3118" y="1705263"/>
+                  <a:pt x="-10213" y="1674562"/>
+                  <a:pt x="20342" y="1905907"/>
+                </a:cubicBezTo>
+                <a:cubicBezTo>
+                  <a:pt x="47562" y="2112000"/>
+                  <a:pt x="58987" y="2185648"/>
+                  <a:pt x="144167" y="2363107"/>
+                </a:cubicBezTo>
+                <a:cubicBezTo>
+                  <a:pt x="152964" y="2381435"/>
+                  <a:pt x="170272" y="2394318"/>
+                  <a:pt x="182267" y="2410732"/>
+                </a:cubicBezTo>
+                <a:cubicBezTo>
+                  <a:pt x="230611" y="2476887"/>
+                  <a:pt x="276949" y="2544491"/>
+                  <a:pt x="325142" y="2610757"/>
+                </a:cubicBezTo>
+                <a:cubicBezTo>
+                  <a:pt x="353154" y="2649273"/>
+                  <a:pt x="364376" y="2714726"/>
+                  <a:pt x="410867" y="2725057"/>
+                </a:cubicBezTo>
+                <a:cubicBezTo>
+                  <a:pt x="430571" y="2729436"/>
+                  <a:pt x="538396" y="2751610"/>
+                  <a:pt x="563267" y="2763157"/>
+                </a:cubicBezTo>
+                <a:cubicBezTo>
+                  <a:pt x="631536" y="2794853"/>
+                  <a:pt x="688254" y="2862047"/>
+                  <a:pt x="763292" y="2867932"/>
+                </a:cubicBezTo>
+                <a:lnTo>
+                  <a:pt x="1249067" y="2906032"/>
+                </a:lnTo>
+                <a:cubicBezTo>
+                  <a:pt x="1585249" y="2965358"/>
+                  <a:pt x="1585555" y="2972826"/>
+                  <a:pt x="2106317" y="2963182"/>
+                </a:cubicBezTo>
+                <a:cubicBezTo>
+                  <a:pt x="2389485" y="2957938"/>
+                  <a:pt x="2671467" y="2925082"/>
+                  <a:pt x="2954042" y="2906032"/>
+                </a:cubicBezTo>
+                <a:cubicBezTo>
+                  <a:pt x="3020717" y="2871107"/>
+                  <a:pt x="3084182" y="2829211"/>
+                  <a:pt x="3154067" y="2801257"/>
+                </a:cubicBezTo>
+                <a:cubicBezTo>
+                  <a:pt x="3196275" y="2784374"/>
+                  <a:pt x="3245634" y="2790589"/>
+                  <a:pt x="3287417" y="2772682"/>
+                </a:cubicBezTo>
+                <a:cubicBezTo>
+                  <a:pt x="3335987" y="2751866"/>
+                  <a:pt x="3379802" y="2720336"/>
+                  <a:pt x="3420767" y="2686957"/>
+                </a:cubicBezTo>
+                <a:cubicBezTo>
+                  <a:pt x="3437407" y="2673398"/>
+                  <a:pt x="3570735" y="2541775"/>
+                  <a:pt x="3601742" y="2496457"/>
+                </a:cubicBezTo>
+                <a:cubicBezTo>
+                  <a:pt x="3661624" y="2408937"/>
+                  <a:pt x="3699473" y="2316164"/>
+                  <a:pt x="3744617" y="2220232"/>
+                </a:cubicBezTo>
+                <a:cubicBezTo>
+                  <a:pt x="3771530" y="2013899"/>
+                  <a:pt x="3810739" y="1800045"/>
+                  <a:pt x="3763667" y="1591582"/>
+                </a:cubicBezTo>
+                <a:cubicBezTo>
+                  <a:pt x="3726007" y="1424802"/>
+                  <a:pt x="3651872" y="1267119"/>
+                  <a:pt x="3573167" y="1115332"/>
+                </a:cubicBezTo>
+                <a:cubicBezTo>
+                  <a:pt x="3528717" y="1029607"/>
+                  <a:pt x="3490996" y="940043"/>
+                  <a:pt x="3439817" y="858157"/>
+                </a:cubicBezTo>
+                <a:cubicBezTo>
+                  <a:pt x="3374701" y="753972"/>
+                  <a:pt x="3277619" y="637781"/>
+                  <a:pt x="3182642" y="553357"/>
+                </a:cubicBezTo>
+                <a:cubicBezTo>
+                  <a:pt x="3133721" y="509872"/>
+                  <a:pt x="3083620" y="467413"/>
+                  <a:pt x="3030242" y="429532"/>
+                </a:cubicBezTo>
+                <a:cubicBezTo>
+                  <a:pt x="2984949" y="397388"/>
+                  <a:pt x="2937471" y="367770"/>
+                  <a:pt x="2887367" y="343807"/>
+                </a:cubicBezTo>
+                <a:cubicBezTo>
+                  <a:pt x="2863748" y="332511"/>
+                  <a:pt x="2836285" y="332145"/>
+                  <a:pt x="2811167" y="324757"/>
+                </a:cubicBezTo>
+                <a:cubicBezTo>
+                  <a:pt x="2782270" y="316258"/>
+                  <a:pt x="2754339" y="304681"/>
+                  <a:pt x="2725442" y="296182"/>
+                </a:cubicBezTo>
+                <a:cubicBezTo>
+                  <a:pt x="2700324" y="288794"/>
+                  <a:pt x="2673757" y="286325"/>
+                  <a:pt x="2649242" y="277132"/>
+                </a:cubicBezTo>
+                <a:cubicBezTo>
+                  <a:pt x="2622652" y="267161"/>
+                  <a:pt x="2598826" y="250932"/>
+                  <a:pt x="2573042" y="239032"/>
+                </a:cubicBezTo>
+                <a:cubicBezTo>
+                  <a:pt x="2557518" y="231867"/>
+                  <a:pt x="2541637" y="225389"/>
+                  <a:pt x="2525417" y="219982"/>
+                </a:cubicBezTo>
+                <a:cubicBezTo>
+                  <a:pt x="2505240" y="213256"/>
+                  <a:pt x="2458565" y="204707"/>
+                  <a:pt x="2439692" y="200932"/>
+                </a:cubicBezTo>
+                <a:cubicBezTo>
+                  <a:pt x="2249884" y="106028"/>
+                  <a:pt x="2449052" y="202976"/>
+                  <a:pt x="2315867" y="143782"/>
+                </a:cubicBezTo>
+                <a:cubicBezTo>
+                  <a:pt x="2302892" y="138015"/>
+                  <a:pt x="2291466" y="128468"/>
+                  <a:pt x="2277767" y="124732"/>
+                </a:cubicBezTo>
+                <a:cubicBezTo>
+                  <a:pt x="2256107" y="118825"/>
+                  <a:pt x="2233237" y="118898"/>
+                  <a:pt x="2211092" y="115207"/>
+                </a:cubicBezTo>
+                <a:cubicBezTo>
+                  <a:pt x="2027177" y="84555"/>
+                  <a:pt x="2165190" y="108182"/>
+                  <a:pt x="2068217" y="86632"/>
+                </a:cubicBezTo>
+                <a:cubicBezTo>
+                  <a:pt x="2052413" y="83120"/>
+                  <a:pt x="2036065" y="81868"/>
+                  <a:pt x="2020592" y="77107"/>
+                </a:cubicBezTo>
+                <a:cubicBezTo>
+                  <a:pt x="1883520" y="34931"/>
+                  <a:pt x="2006133" y="56250"/>
+                  <a:pt x="1868192" y="39007"/>
+                </a:cubicBezTo>
+                <a:cubicBezTo>
+                  <a:pt x="1833593" y="27474"/>
+                  <a:pt x="2007892" y="-3856"/>
+                  <a:pt x="1858667" y="907"/>
+                </a:cubicBezTo>
+                <a:close/>
+              </a:path>
+            </a:pathLst>
+          </a:custGeom>
+          <a:noFill/>
+          <a:ln>
+            <a:solidFill>
+              <a:schemeClr val="tx1"/>
+            </a:solidFill>
+            <a:prstDash val="sysDash"/>
+          </a:ln>
+        </p:spPr>
+        <p:style>
+          <a:lnRef idx="2">
+            <a:schemeClr val="accent1">
+              <a:shade val="50000"/>
+            </a:schemeClr>
+          </a:lnRef>
+          <a:fillRef idx="1">
+            <a:schemeClr val="accent1"/>
+          </a:fillRef>
+          <a:effectRef idx="0">
+            <a:schemeClr val="accent1"/>
+          </a:effectRef>
+          <a:fontRef idx="minor">
+            <a:schemeClr val="lt1"/>
+          </a:fontRef>
+        </p:style>
+        <p:txBody>
+          <a:bodyPr rtlCol="0" anchor="ctr"/>
+          <a:lstStyle/>
+          <a:p>
+            <a:pPr algn="ctr"/>
+            <a:endParaRPr lang="ko-KR" altLang="en-US"/>
+          </a:p>
+        </p:txBody>
+      </p:sp>
+      <p:sp>
+        <p:nvSpPr>
+          <p:cNvPr id="13" name="TextBox 12">
+            <a:extLst>
+              <a:ext uri="{FF2B5EF4-FFF2-40B4-BE49-F238E27FC236}">
+                <a16:creationId xmlns:a16="http://schemas.microsoft.com/office/drawing/2014/main" id="{DD76FECE-A1CA-4F6B-AE03-C41225E154A0}"/>
+              </a:ext>
+            </a:extLst>
+          </p:cNvPr>
+          <p:cNvSpPr txBox="1"/>
+          <p:nvPr/>
+        </p:nvSpPr>
+        <p:spPr>
+          <a:xfrm>
+            <a:off x="3498359" y="1165824"/>
+            <a:ext cx="434734" cy="369332"/>
+          </a:xfrm>
+          <a:prstGeom prst="rect">
+            <a:avLst/>
+          </a:prstGeom>
+          <a:noFill/>
+        </p:spPr>
+        <p:txBody>
+          <a:bodyPr wrap="none" rtlCol="0">
+            <a:spAutoFit/>
+          </a:bodyPr>
+          <a:lstStyle/>
+          <a:p>
+            <a:r>
+              <a:rPr lang="en-US" altLang="ko-KR" dirty="0"/>
+              <a:t>T1</a:t>
+            </a:r>
+            <a:endParaRPr lang="ko-KR" altLang="en-US" dirty="0"/>
+          </a:p>
+        </p:txBody>
+      </p:sp>
+      <p:sp>
+        <p:nvSpPr>
+          <p:cNvPr id="60" name="TextBox 59">
+            <a:extLst>
+              <a:ext uri="{FF2B5EF4-FFF2-40B4-BE49-F238E27FC236}">
+                <a16:creationId xmlns:a16="http://schemas.microsoft.com/office/drawing/2014/main" id="{D4A460E6-D37A-483A-BBB2-BD8EC0F0A8D6}"/>
+              </a:ext>
+            </a:extLst>
+          </p:cNvPr>
+          <p:cNvSpPr txBox="1"/>
+          <p:nvPr/>
+        </p:nvSpPr>
+        <p:spPr>
+          <a:xfrm>
+            <a:off x="4870782" y="2948597"/>
+            <a:ext cx="561372" cy="369332"/>
+          </a:xfrm>
+          <a:prstGeom prst="rect">
+            <a:avLst/>
+          </a:prstGeom>
+          <a:noFill/>
+        </p:spPr>
+        <p:txBody>
+          <a:bodyPr wrap="none" rtlCol="0">
+            <a:spAutoFit/>
+          </a:bodyPr>
+          <a:lstStyle/>
+          <a:p>
+            <a:r>
+              <a:rPr lang="en-US" altLang="ko-KR" dirty="0"/>
+              <a:t>T11</a:t>
+            </a:r>
+            <a:endParaRPr lang="ko-KR" altLang="en-US" dirty="0"/>
+          </a:p>
+        </p:txBody>
+      </p:sp>
+      <p:sp>
+        <p:nvSpPr>
+          <p:cNvPr id="63" name="TextBox 62">
+            <a:extLst>
+              <a:ext uri="{FF2B5EF4-FFF2-40B4-BE49-F238E27FC236}">
+                <a16:creationId xmlns:a16="http://schemas.microsoft.com/office/drawing/2014/main" id="{FE30B5D7-6ACC-4FB5-BA04-4749973282B4}"/>
+              </a:ext>
+            </a:extLst>
+          </p:cNvPr>
+          <p:cNvSpPr txBox="1"/>
+          <p:nvPr/>
+        </p:nvSpPr>
+        <p:spPr>
+          <a:xfrm>
+            <a:off x="8734386" y="1195077"/>
+            <a:ext cx="434734" cy="369332"/>
+          </a:xfrm>
+          <a:prstGeom prst="rect">
+            <a:avLst/>
+          </a:prstGeom>
+          <a:noFill/>
+        </p:spPr>
+        <p:txBody>
+          <a:bodyPr wrap="square" rtlCol="0">
+            <a:spAutoFit/>
+          </a:bodyPr>
+          <a:lstStyle/>
+          <a:p>
+            <a:r>
+              <a:rPr lang="en-US" altLang="ko-KR" dirty="0"/>
+              <a:t>T2</a:t>
+            </a:r>
+            <a:endParaRPr lang="ko-KR" altLang="en-US" dirty="0"/>
+          </a:p>
+        </p:txBody>
+      </p:sp>
+      <p:sp>
+        <p:nvSpPr>
+          <p:cNvPr id="64" name="TextBox 63">
+            <a:extLst>
+              <a:ext uri="{FF2B5EF4-FFF2-40B4-BE49-F238E27FC236}">
+                <a16:creationId xmlns:a16="http://schemas.microsoft.com/office/drawing/2014/main" id="{17420400-85D6-4194-9153-382DEF938148}"/>
+              </a:ext>
+            </a:extLst>
+          </p:cNvPr>
+          <p:cNvSpPr txBox="1"/>
+          <p:nvPr/>
+        </p:nvSpPr>
+        <p:spPr>
+          <a:xfrm>
+            <a:off x="9135269" y="2970393"/>
+            <a:ext cx="561372" cy="369332"/>
+          </a:xfrm>
+          <a:prstGeom prst="rect">
+            <a:avLst/>
+          </a:prstGeom>
+          <a:noFill/>
+        </p:spPr>
+        <p:txBody>
+          <a:bodyPr wrap="none" rtlCol="0">
+            <a:spAutoFit/>
+          </a:bodyPr>
+          <a:lstStyle/>
+          <a:p>
+            <a:r>
+              <a:rPr lang="en-US" altLang="ko-KR" dirty="0"/>
+              <a:t>T22</a:t>
+            </a:r>
+            <a:endParaRPr lang="ko-KR" altLang="en-US" dirty="0"/>
+          </a:p>
+        </p:txBody>
+      </p:sp>
+    </p:spTree>
+    <p:extLst>
+      <p:ext uri="{BB962C8B-B14F-4D97-AF65-F5344CB8AC3E}">
+        <p14:creationId xmlns:p14="http://schemas.microsoft.com/office/powerpoint/2010/main" val="867600509"/>
       </p:ext>
     </p:extLst>
   </p:cSld>
